--- a/Internship Presentaiton_HT Active Nguyen Van Tan.pptx
+++ b/Internship Presentaiton_HT Active Nguyen Van Tan.pptx
@@ -14,8 +14,9 @@
     <p:sldId id="264" r:id="rId8"/>
     <p:sldId id="265" r:id="rId9"/>
     <p:sldId id="266" r:id="rId10"/>
-    <p:sldId id="267" r:id="rId11"/>
-    <p:sldId id="268" r:id="rId12"/>
+    <p:sldId id="269" r:id="rId11"/>
+    <p:sldId id="267" r:id="rId12"/>
+    <p:sldId id="268" r:id="rId13"/>
   </p:sldIdLst>
   <p:sldSz cx="9144000" cy="6858000" type="screen4x3"/>
   <p:notesSz cx="6858000" cy="9144000"/>
@@ -3817,20 +3818,20 @@
     </dgm:pt>
   </dgm:ptLst>
   <dgm:cxnLst>
-    <dgm:cxn modelId="{7C0AF2C3-612F-407F-A243-38D8EC42C0D0}" type="presOf" srcId="{65973D25-D37A-42F3-8BF7-2D4800CAD25B}" destId="{B8F0BFF1-7311-46B8-9514-F5F8754FD1E7}" srcOrd="0" destOrd="0" presId="urn:microsoft.com/office/officeart/2008/layout/VerticalCurvedList"/>
+    <dgm:cxn modelId="{AC637AE0-0B25-4252-9B0C-7838E74A733C}" type="presOf" srcId="{E65F5588-B953-4DF3-A17B-81772F223179}" destId="{BCFB00D4-37CF-4976-BFDB-FB6A9681E49F}" srcOrd="0" destOrd="0" presId="urn:microsoft.com/office/officeart/2008/layout/VerticalCurvedList"/>
     <dgm:cxn modelId="{95EFB687-2847-4675-A163-2BE73D6BB2A1}" srcId="{E65F5588-B953-4DF3-A17B-81772F223179}" destId="{E073203A-8E08-4748-B222-6E7C308ECE6A}" srcOrd="0" destOrd="0" parTransId="{60A89964-8D46-41F9-918F-53264B0B44AD}" sibTransId="{44604021-6F5F-4A27-B850-55890B1CD9FD}"/>
     <dgm:cxn modelId="{A0ADB48B-F66F-40D2-9765-F490368D13EC}" srcId="{E65F5588-B953-4DF3-A17B-81772F223179}" destId="{222FBB29-196E-4406-BCAD-A804A32503DB}" srcOrd="4" destOrd="0" parTransId="{DC6E5FC3-DBCA-45CF-98C7-B049298268BD}" sibTransId="{BB83DBE9-613E-4511-8EAC-82EA20DDC532}"/>
-    <dgm:cxn modelId="{043130A7-D33D-454A-A824-0E71BF9FDEC7}" srcId="{E65F5588-B953-4DF3-A17B-81772F223179}" destId="{52522766-27B2-4BB8-835F-EB0AD8E86248}" srcOrd="1" destOrd="0" parTransId="{7CEA6930-7D46-41AD-9A8C-F7925D15E2EF}" sibTransId="{97A624B4-DE8B-4DB9-8A19-5DA4C90E1173}"/>
-    <dgm:cxn modelId="{7E84C57A-9585-4E83-A7DB-FE62F448A8CA}" srcId="{E65F5588-B953-4DF3-A17B-81772F223179}" destId="{8AABEB19-0B84-40FD-9BC5-C4DA0E022057}" srcOrd="5" destOrd="0" parTransId="{C1D720C7-F99E-4ED5-B76E-CF73960C7DEF}" sibTransId="{C906C2D4-D456-41B1-8250-9FBB22448392}"/>
-    <dgm:cxn modelId="{9676F2A0-9CE4-4AAA-BB1B-4D9946C2B5D2}" srcId="{E65F5588-B953-4DF3-A17B-81772F223179}" destId="{0ED314AB-2D94-4238-B808-8C45DA9FB5F1}" srcOrd="3" destOrd="0" parTransId="{1BD0DD28-3016-434D-AFD3-F3ED90A34FBF}" sibTransId="{9DD07002-E7F6-4472-A81D-AE3713B395D2}"/>
-    <dgm:cxn modelId="{6DE1BB9B-146B-4C87-9006-CF53BC6145A2}" type="presOf" srcId="{44604021-6F5F-4A27-B850-55890B1CD9FD}" destId="{CE46C424-6028-45DF-BF3A-7FB0FD10C24B}" srcOrd="0" destOrd="0" presId="urn:microsoft.com/office/officeart/2008/layout/VerticalCurvedList"/>
     <dgm:cxn modelId="{FDFD9960-AD49-47DB-A13A-BDEBFD12D3A1}" type="presOf" srcId="{52522766-27B2-4BB8-835F-EB0AD8E86248}" destId="{4F899768-BFD5-4D6A-A714-938699DD4BBF}" srcOrd="0" destOrd="0" presId="urn:microsoft.com/office/officeart/2008/layout/VerticalCurvedList"/>
+    <dgm:cxn modelId="{7C0AF2C3-612F-407F-A243-38D8EC42C0D0}" type="presOf" srcId="{65973D25-D37A-42F3-8BF7-2D4800CAD25B}" destId="{B8F0BFF1-7311-46B8-9514-F5F8754FD1E7}" srcOrd="0" destOrd="0" presId="urn:microsoft.com/office/officeart/2008/layout/VerticalCurvedList"/>
+    <dgm:cxn modelId="{62ADF741-E74B-4FD7-9272-1A7C945081E1}" type="presOf" srcId="{0ED314AB-2D94-4238-B808-8C45DA9FB5F1}" destId="{617E4B98-0A3D-49C1-89E5-0D06D709C544}" srcOrd="0" destOrd="0" presId="urn:microsoft.com/office/officeart/2008/layout/VerticalCurvedList"/>
     <dgm:cxn modelId="{C456BE2B-B037-4C12-866E-DCD6135ACF3C}" type="presOf" srcId="{8AABEB19-0B84-40FD-9BC5-C4DA0E022057}" destId="{A4B04169-315A-415F-85AD-48C9D4A683C9}" srcOrd="0" destOrd="0" presId="urn:microsoft.com/office/officeart/2008/layout/VerticalCurvedList"/>
+    <dgm:cxn modelId="{9E0BAB5D-2ECC-4F6F-BFD8-BB007DDA1B55}" type="presOf" srcId="{222FBB29-196E-4406-BCAD-A804A32503DB}" destId="{B4932461-739E-42DB-803E-C6923B8F61C2}" srcOrd="0" destOrd="0" presId="urn:microsoft.com/office/officeart/2008/layout/VerticalCurvedList"/>
     <dgm:cxn modelId="{767EEC52-EB2A-45B6-8DC6-0DEFEE74B89D}" srcId="{E65F5588-B953-4DF3-A17B-81772F223179}" destId="{65973D25-D37A-42F3-8BF7-2D4800CAD25B}" srcOrd="2" destOrd="0" parTransId="{59F4A1A8-5096-4E74-8722-7B04F8C17ACF}" sibTransId="{CF1E9EF3-20ED-4102-810A-B283DC8FBAAC}"/>
     <dgm:cxn modelId="{32AF6A73-BF2E-4321-AEE7-30789D113CFA}" type="presOf" srcId="{E073203A-8E08-4748-B222-6E7C308ECE6A}" destId="{533B46DA-177C-4BEB-A39D-B4AA389F6027}" srcOrd="0" destOrd="0" presId="urn:microsoft.com/office/officeart/2008/layout/VerticalCurvedList"/>
-    <dgm:cxn modelId="{AC637AE0-0B25-4252-9B0C-7838E74A733C}" type="presOf" srcId="{E65F5588-B953-4DF3-A17B-81772F223179}" destId="{BCFB00D4-37CF-4976-BFDB-FB6A9681E49F}" srcOrd="0" destOrd="0" presId="urn:microsoft.com/office/officeart/2008/layout/VerticalCurvedList"/>
-    <dgm:cxn modelId="{9E0BAB5D-2ECC-4F6F-BFD8-BB007DDA1B55}" type="presOf" srcId="{222FBB29-196E-4406-BCAD-A804A32503DB}" destId="{B4932461-739E-42DB-803E-C6923B8F61C2}" srcOrd="0" destOrd="0" presId="urn:microsoft.com/office/officeart/2008/layout/VerticalCurvedList"/>
-    <dgm:cxn modelId="{62ADF741-E74B-4FD7-9272-1A7C945081E1}" type="presOf" srcId="{0ED314AB-2D94-4238-B808-8C45DA9FB5F1}" destId="{617E4B98-0A3D-49C1-89E5-0D06D709C544}" srcOrd="0" destOrd="0" presId="urn:microsoft.com/office/officeart/2008/layout/VerticalCurvedList"/>
+    <dgm:cxn modelId="{7E84C57A-9585-4E83-A7DB-FE62F448A8CA}" srcId="{E65F5588-B953-4DF3-A17B-81772F223179}" destId="{8AABEB19-0B84-40FD-9BC5-C4DA0E022057}" srcOrd="5" destOrd="0" parTransId="{C1D720C7-F99E-4ED5-B76E-CF73960C7DEF}" sibTransId="{C906C2D4-D456-41B1-8250-9FBB22448392}"/>
+    <dgm:cxn modelId="{6DE1BB9B-146B-4C87-9006-CF53BC6145A2}" type="presOf" srcId="{44604021-6F5F-4A27-B850-55890B1CD9FD}" destId="{CE46C424-6028-45DF-BF3A-7FB0FD10C24B}" srcOrd="0" destOrd="0" presId="urn:microsoft.com/office/officeart/2008/layout/VerticalCurvedList"/>
+    <dgm:cxn modelId="{9676F2A0-9CE4-4AAA-BB1B-4D9946C2B5D2}" srcId="{E65F5588-B953-4DF3-A17B-81772F223179}" destId="{0ED314AB-2D94-4238-B808-8C45DA9FB5F1}" srcOrd="3" destOrd="0" parTransId="{1BD0DD28-3016-434D-AFD3-F3ED90A34FBF}" sibTransId="{9DD07002-E7F6-4472-A81D-AE3713B395D2}"/>
+    <dgm:cxn modelId="{043130A7-D33D-454A-A824-0E71BF9FDEC7}" srcId="{E65F5588-B953-4DF3-A17B-81772F223179}" destId="{52522766-27B2-4BB8-835F-EB0AD8E86248}" srcOrd="1" destOrd="0" parTransId="{7CEA6930-7D46-41AD-9A8C-F7925D15E2EF}" sibTransId="{97A624B4-DE8B-4DB9-8A19-5DA4C90E1173}"/>
     <dgm:cxn modelId="{CE8DED0B-E51E-4B56-B6E9-3C73B33D3403}" type="presParOf" srcId="{BCFB00D4-37CF-4976-BFDB-FB6A9681E49F}" destId="{1D594988-49CE-4B39-BFD3-EF0AC588C843}" srcOrd="0" destOrd="0" presId="urn:microsoft.com/office/officeart/2008/layout/VerticalCurvedList"/>
     <dgm:cxn modelId="{28B5ABD0-9DE7-460C-89FD-9AC6F4BFD7F1}" type="presParOf" srcId="{1D594988-49CE-4B39-BFD3-EF0AC588C843}" destId="{D9872182-8E26-4393-83C7-731165532AB8}" srcOrd="0" destOrd="0" presId="urn:microsoft.com/office/officeart/2008/layout/VerticalCurvedList"/>
     <dgm:cxn modelId="{33D6E1CB-C0E4-40C5-9ED6-BE0A1291362B}" type="presParOf" srcId="{D9872182-8E26-4393-83C7-731165532AB8}" destId="{3B55E7F3-71C9-4BC7-AAC5-53E06A24620E}" srcOrd="0" destOrd="0" presId="urn:microsoft.com/office/officeart/2008/layout/VerticalCurvedList"/>
@@ -4654,6 +4655,13 @@
         </dgm:presLayoutVars>
       </dgm:prSet>
       <dgm:spPr/>
+      <dgm:t>
+        <a:bodyPr/>
+        <a:lstStyle/>
+        <a:p>
+          <a:endParaRPr lang="en-US"/>
+        </a:p>
+      </dgm:t>
     </dgm:pt>
     <dgm:pt modelId="{0ADECF81-4B31-4C1A-8D42-DD1EB2049A98}" type="pres">
       <dgm:prSet presAssocID="{180B9287-C4A7-419B-92E1-051581C5F33A}" presName="root1" presStyleCnt="0"/>
@@ -4681,10 +4689,24 @@
     <dgm:pt modelId="{5DAC5327-230F-42B8-AD04-82F998A51E22}" type="pres">
       <dgm:prSet presAssocID="{C8EFEA5E-3191-4A87-8952-A9941171C378}" presName="conn2-1" presStyleLbl="parChTrans1D2" presStyleIdx="0" presStyleCnt="3"/>
       <dgm:spPr/>
+      <dgm:t>
+        <a:bodyPr/>
+        <a:lstStyle/>
+        <a:p>
+          <a:endParaRPr lang="en-US"/>
+        </a:p>
+      </dgm:t>
     </dgm:pt>
     <dgm:pt modelId="{259760BE-EEDF-43F7-9C87-A0C43B1F103C}" type="pres">
       <dgm:prSet presAssocID="{C8EFEA5E-3191-4A87-8952-A9941171C378}" presName="connTx" presStyleLbl="parChTrans1D2" presStyleIdx="0" presStyleCnt="3"/>
       <dgm:spPr/>
+      <dgm:t>
+        <a:bodyPr/>
+        <a:lstStyle/>
+        <a:p>
+          <a:endParaRPr lang="en-US"/>
+        </a:p>
+      </dgm:t>
     </dgm:pt>
     <dgm:pt modelId="{96891E5C-6FD1-4396-9462-711EB2603DEC}" type="pres">
       <dgm:prSet presAssocID="{453FD134-E798-4A4C-9047-6653EE377719}" presName="root2" presStyleCnt="0"/>
@@ -4712,10 +4734,24 @@
     <dgm:pt modelId="{6A1C1D3F-C466-430D-89ED-5824AC97B713}" type="pres">
       <dgm:prSet presAssocID="{99BC7F68-594B-4D71-9EF6-C13D63937A54}" presName="conn2-1" presStyleLbl="parChTrans1D3" presStyleIdx="0" presStyleCnt="8"/>
       <dgm:spPr/>
+      <dgm:t>
+        <a:bodyPr/>
+        <a:lstStyle/>
+        <a:p>
+          <a:endParaRPr lang="en-US"/>
+        </a:p>
+      </dgm:t>
     </dgm:pt>
     <dgm:pt modelId="{9CC1707B-A3F7-461F-B57E-6FBCB000C39A}" type="pres">
       <dgm:prSet presAssocID="{99BC7F68-594B-4D71-9EF6-C13D63937A54}" presName="connTx" presStyleLbl="parChTrans1D3" presStyleIdx="0" presStyleCnt="8"/>
       <dgm:spPr/>
+      <dgm:t>
+        <a:bodyPr/>
+        <a:lstStyle/>
+        <a:p>
+          <a:endParaRPr lang="en-US"/>
+        </a:p>
+      </dgm:t>
     </dgm:pt>
     <dgm:pt modelId="{482449B7-4DB2-451D-89E4-94F0B80797DD}" type="pres">
       <dgm:prSet presAssocID="{C2614836-AE87-4A35-B3AA-21E46277727D}" presName="root2" presStyleCnt="0"/>
@@ -4743,10 +4779,24 @@
     <dgm:pt modelId="{CEFDDF26-B743-41B3-80FD-D5244D385B00}" type="pres">
       <dgm:prSet presAssocID="{61CB5BC3-F3AB-46BD-A6A6-34C54A6201E2}" presName="conn2-1" presStyleLbl="parChTrans1D3" presStyleIdx="1" presStyleCnt="8"/>
       <dgm:spPr/>
+      <dgm:t>
+        <a:bodyPr/>
+        <a:lstStyle/>
+        <a:p>
+          <a:endParaRPr lang="en-US"/>
+        </a:p>
+      </dgm:t>
     </dgm:pt>
     <dgm:pt modelId="{C1D91966-A163-43FA-9758-7E045ADE1CEB}" type="pres">
       <dgm:prSet presAssocID="{61CB5BC3-F3AB-46BD-A6A6-34C54A6201E2}" presName="connTx" presStyleLbl="parChTrans1D3" presStyleIdx="1" presStyleCnt="8"/>
       <dgm:spPr/>
+      <dgm:t>
+        <a:bodyPr/>
+        <a:lstStyle/>
+        <a:p>
+          <a:endParaRPr lang="en-US"/>
+        </a:p>
+      </dgm:t>
     </dgm:pt>
     <dgm:pt modelId="{438B83CC-3803-4C13-BF82-77A7262ECEDB}" type="pres">
       <dgm:prSet presAssocID="{73494160-E0B9-474D-95CF-D902EBD4DB0D}" presName="root2" presStyleCnt="0"/>
@@ -4774,10 +4824,24 @@
     <dgm:pt modelId="{6A94C094-BCA6-4F05-B6BD-ABE69D2C551E}" type="pres">
       <dgm:prSet presAssocID="{9E0172BB-6109-43A8-A1CC-B40552001F09}" presName="conn2-1" presStyleLbl="parChTrans1D3" presStyleIdx="2" presStyleCnt="8"/>
       <dgm:spPr/>
+      <dgm:t>
+        <a:bodyPr/>
+        <a:lstStyle/>
+        <a:p>
+          <a:endParaRPr lang="en-US"/>
+        </a:p>
+      </dgm:t>
     </dgm:pt>
     <dgm:pt modelId="{AA08119D-0585-4998-B84E-59394F0422EB}" type="pres">
       <dgm:prSet presAssocID="{9E0172BB-6109-43A8-A1CC-B40552001F09}" presName="connTx" presStyleLbl="parChTrans1D3" presStyleIdx="2" presStyleCnt="8"/>
       <dgm:spPr/>
+      <dgm:t>
+        <a:bodyPr/>
+        <a:lstStyle/>
+        <a:p>
+          <a:endParaRPr lang="en-US"/>
+        </a:p>
+      </dgm:t>
     </dgm:pt>
     <dgm:pt modelId="{2A546AE0-4686-4B7B-9127-803106414492}" type="pres">
       <dgm:prSet presAssocID="{E524BD68-79FE-4BAB-8AA5-346AC9775912}" presName="root2" presStyleCnt="0"/>
@@ -4805,10 +4869,24 @@
     <dgm:pt modelId="{CBDAAC61-21B9-4FDC-9463-D9DDD4D6DD61}" type="pres">
       <dgm:prSet presAssocID="{F20FCD2B-3A5A-4A79-BA57-889977B79680}" presName="conn2-1" presStyleLbl="parChTrans1D2" presStyleIdx="1" presStyleCnt="3"/>
       <dgm:spPr/>
+      <dgm:t>
+        <a:bodyPr/>
+        <a:lstStyle/>
+        <a:p>
+          <a:endParaRPr lang="en-US"/>
+        </a:p>
+      </dgm:t>
     </dgm:pt>
     <dgm:pt modelId="{13148F05-75B3-47E7-AFAC-647A9707FDB4}" type="pres">
       <dgm:prSet presAssocID="{F20FCD2B-3A5A-4A79-BA57-889977B79680}" presName="connTx" presStyleLbl="parChTrans1D2" presStyleIdx="1" presStyleCnt="3"/>
       <dgm:spPr/>
+      <dgm:t>
+        <a:bodyPr/>
+        <a:lstStyle/>
+        <a:p>
+          <a:endParaRPr lang="en-US"/>
+        </a:p>
+      </dgm:t>
     </dgm:pt>
     <dgm:pt modelId="{779BA1A7-2BBE-4B30-97DA-B105EB55C51C}" type="pres">
       <dgm:prSet presAssocID="{8BD7C107-2676-4CBB-BCB7-F0BFADD0036F}" presName="root2" presStyleCnt="0"/>
@@ -4836,10 +4914,24 @@
     <dgm:pt modelId="{8556B510-A515-4AF6-9199-A5F7C2D05CB7}" type="pres">
       <dgm:prSet presAssocID="{FEA9FEB2-BB7C-448A-8389-04C7F49655FF}" presName="conn2-1" presStyleLbl="parChTrans1D3" presStyleIdx="3" presStyleCnt="8"/>
       <dgm:spPr/>
+      <dgm:t>
+        <a:bodyPr/>
+        <a:lstStyle/>
+        <a:p>
+          <a:endParaRPr lang="en-US"/>
+        </a:p>
+      </dgm:t>
     </dgm:pt>
     <dgm:pt modelId="{8FB8C714-8376-4BFC-A40D-F6C86E907A76}" type="pres">
       <dgm:prSet presAssocID="{FEA9FEB2-BB7C-448A-8389-04C7F49655FF}" presName="connTx" presStyleLbl="parChTrans1D3" presStyleIdx="3" presStyleCnt="8"/>
       <dgm:spPr/>
+      <dgm:t>
+        <a:bodyPr/>
+        <a:lstStyle/>
+        <a:p>
+          <a:endParaRPr lang="en-US"/>
+        </a:p>
+      </dgm:t>
     </dgm:pt>
     <dgm:pt modelId="{1AFA548A-FF1E-489C-9877-3AAFAE3ACEA7}" type="pres">
       <dgm:prSet presAssocID="{6E55B445-CE14-4A25-BF7F-0ADCB077F84E}" presName="root2" presStyleCnt="0"/>
@@ -4867,10 +4959,24 @@
     <dgm:pt modelId="{418CFC59-8B3E-4C78-BFE2-CA3648541090}" type="pres">
       <dgm:prSet presAssocID="{9C6F5382-D537-4627-AFE7-9431B721D781}" presName="conn2-1" presStyleLbl="parChTrans1D3" presStyleIdx="4" presStyleCnt="8"/>
       <dgm:spPr/>
+      <dgm:t>
+        <a:bodyPr/>
+        <a:lstStyle/>
+        <a:p>
+          <a:endParaRPr lang="en-US"/>
+        </a:p>
+      </dgm:t>
     </dgm:pt>
     <dgm:pt modelId="{3D5B6892-3588-4932-B3DC-23D385A0B412}" type="pres">
       <dgm:prSet presAssocID="{9C6F5382-D537-4627-AFE7-9431B721D781}" presName="connTx" presStyleLbl="parChTrans1D3" presStyleIdx="4" presStyleCnt="8"/>
       <dgm:spPr/>
+      <dgm:t>
+        <a:bodyPr/>
+        <a:lstStyle/>
+        <a:p>
+          <a:endParaRPr lang="en-US"/>
+        </a:p>
+      </dgm:t>
     </dgm:pt>
     <dgm:pt modelId="{ED5F861A-A6D2-4B53-87BF-3D9813B81506}" type="pres">
       <dgm:prSet presAssocID="{80BB413D-C57D-4663-B7E7-9B8C6510E020}" presName="root2" presStyleCnt="0"/>
@@ -4898,10 +5004,24 @@
     <dgm:pt modelId="{E35C458E-C50C-46BD-AD6F-CF4694E51BCF}" type="pres">
       <dgm:prSet presAssocID="{414D09B4-DB8B-4007-9C59-297943014628}" presName="conn2-1" presStyleLbl="parChTrans1D3" presStyleIdx="5" presStyleCnt="8"/>
       <dgm:spPr/>
+      <dgm:t>
+        <a:bodyPr/>
+        <a:lstStyle/>
+        <a:p>
+          <a:endParaRPr lang="en-US"/>
+        </a:p>
+      </dgm:t>
     </dgm:pt>
     <dgm:pt modelId="{19181621-3BEA-4F23-8022-3D7083BC26D3}" type="pres">
       <dgm:prSet presAssocID="{414D09B4-DB8B-4007-9C59-297943014628}" presName="connTx" presStyleLbl="parChTrans1D3" presStyleIdx="5" presStyleCnt="8"/>
       <dgm:spPr/>
+      <dgm:t>
+        <a:bodyPr/>
+        <a:lstStyle/>
+        <a:p>
+          <a:endParaRPr lang="en-US"/>
+        </a:p>
+      </dgm:t>
     </dgm:pt>
     <dgm:pt modelId="{FAF40E73-1D74-4A3D-BAAB-EB6ACA0D7E98}" type="pres">
       <dgm:prSet presAssocID="{BAC5DCBE-6090-487E-8CFD-343EF4149CA9}" presName="root2" presStyleCnt="0"/>
@@ -4929,10 +5049,24 @@
     <dgm:pt modelId="{CC6054A8-8520-4F34-A49C-83093F183D38}" type="pres">
       <dgm:prSet presAssocID="{1DBCBB79-A472-4D75-ACAA-55F6B7AFD648}" presName="conn2-1" presStyleLbl="parChTrans1D2" presStyleIdx="2" presStyleCnt="3"/>
       <dgm:spPr/>
+      <dgm:t>
+        <a:bodyPr/>
+        <a:lstStyle/>
+        <a:p>
+          <a:endParaRPr lang="en-US"/>
+        </a:p>
+      </dgm:t>
     </dgm:pt>
     <dgm:pt modelId="{F4900DF6-8AA9-47BA-8915-CCFD82E1ED1F}" type="pres">
       <dgm:prSet presAssocID="{1DBCBB79-A472-4D75-ACAA-55F6B7AFD648}" presName="connTx" presStyleLbl="parChTrans1D2" presStyleIdx="2" presStyleCnt="3"/>
       <dgm:spPr/>
+      <dgm:t>
+        <a:bodyPr/>
+        <a:lstStyle/>
+        <a:p>
+          <a:endParaRPr lang="en-US"/>
+        </a:p>
+      </dgm:t>
     </dgm:pt>
     <dgm:pt modelId="{028917A6-3ABE-4534-A828-E99173F67D91}" type="pres">
       <dgm:prSet presAssocID="{8AC8DBF7-3143-40F1-8EBA-49372F8388B9}" presName="root2" presStyleCnt="0"/>
@@ -4960,10 +5094,24 @@
     <dgm:pt modelId="{38CEC996-F801-4DEB-B47D-C41FFE2D2F52}" type="pres">
       <dgm:prSet presAssocID="{87BBD802-866C-4373-A421-EA600A866D62}" presName="conn2-1" presStyleLbl="parChTrans1D3" presStyleIdx="6" presStyleCnt="8"/>
       <dgm:spPr/>
+      <dgm:t>
+        <a:bodyPr/>
+        <a:lstStyle/>
+        <a:p>
+          <a:endParaRPr lang="en-US"/>
+        </a:p>
+      </dgm:t>
     </dgm:pt>
     <dgm:pt modelId="{084DE769-742B-4BCE-AA96-D11C9131FA95}" type="pres">
       <dgm:prSet presAssocID="{87BBD802-866C-4373-A421-EA600A866D62}" presName="connTx" presStyleLbl="parChTrans1D3" presStyleIdx="6" presStyleCnt="8"/>
       <dgm:spPr/>
+      <dgm:t>
+        <a:bodyPr/>
+        <a:lstStyle/>
+        <a:p>
+          <a:endParaRPr lang="en-US"/>
+        </a:p>
+      </dgm:t>
     </dgm:pt>
     <dgm:pt modelId="{8CE788E5-8334-4C45-B9BC-07533369EE7C}" type="pres">
       <dgm:prSet presAssocID="{FCEBFFAD-EDA0-4C60-8FC4-024E91749B7C}" presName="root2" presStyleCnt="0"/>
@@ -4991,10 +5139,24 @@
     <dgm:pt modelId="{E8AABD6B-43DA-44D2-A30D-14203489212F}" type="pres">
       <dgm:prSet presAssocID="{5450AA1A-264E-4BB4-B40F-3C11C243DF47}" presName="conn2-1" presStyleLbl="parChTrans1D3" presStyleIdx="7" presStyleCnt="8"/>
       <dgm:spPr/>
+      <dgm:t>
+        <a:bodyPr/>
+        <a:lstStyle/>
+        <a:p>
+          <a:endParaRPr lang="en-US"/>
+        </a:p>
+      </dgm:t>
     </dgm:pt>
     <dgm:pt modelId="{0F6C5235-4D69-4CEA-B546-2817F71E4C7D}" type="pres">
       <dgm:prSet presAssocID="{5450AA1A-264E-4BB4-B40F-3C11C243DF47}" presName="connTx" presStyleLbl="parChTrans1D3" presStyleIdx="7" presStyleCnt="8"/>
       <dgm:spPr/>
+      <dgm:t>
+        <a:bodyPr/>
+        <a:lstStyle/>
+        <a:p>
+          <a:endParaRPr lang="en-US"/>
+        </a:p>
+      </dgm:t>
     </dgm:pt>
     <dgm:pt modelId="{3173A235-FDCA-429E-80CB-D52E7BE39C4A}" type="pres">
       <dgm:prSet presAssocID="{1D720B82-60AF-4B51-ACE0-81ED48044601}" presName="root2" presStyleCnt="0"/>
@@ -5548,6 +5710,13 @@
         </dgm:presLayoutVars>
       </dgm:prSet>
       <dgm:spPr/>
+      <dgm:t>
+        <a:bodyPr/>
+        <a:lstStyle/>
+        <a:p>
+          <a:endParaRPr lang="en-US"/>
+        </a:p>
+      </dgm:t>
     </dgm:pt>
     <dgm:pt modelId="{3376AA97-AD42-4EE4-8BBC-1A838175728D}" type="pres">
       <dgm:prSet presAssocID="{F2D1AE2B-54ED-4125-B17B-8B8689D32866}" presName="root1" presStyleCnt="0"/>
@@ -5575,10 +5744,24 @@
     <dgm:pt modelId="{E4B7EE5F-E13E-44A0-B271-97F3D4143DA4}" type="pres">
       <dgm:prSet presAssocID="{85C80EF5-3178-404F-A2D6-B5610889AC7B}" presName="conn2-1" presStyleLbl="parChTrans1D2" presStyleIdx="0" presStyleCnt="2"/>
       <dgm:spPr/>
+      <dgm:t>
+        <a:bodyPr/>
+        <a:lstStyle/>
+        <a:p>
+          <a:endParaRPr lang="en-US"/>
+        </a:p>
+      </dgm:t>
     </dgm:pt>
     <dgm:pt modelId="{CA5D8B51-64F3-403E-82D2-132B94CED867}" type="pres">
       <dgm:prSet presAssocID="{85C80EF5-3178-404F-A2D6-B5610889AC7B}" presName="connTx" presStyleLbl="parChTrans1D2" presStyleIdx="0" presStyleCnt="2"/>
       <dgm:spPr/>
+      <dgm:t>
+        <a:bodyPr/>
+        <a:lstStyle/>
+        <a:p>
+          <a:endParaRPr lang="en-US"/>
+        </a:p>
+      </dgm:t>
     </dgm:pt>
     <dgm:pt modelId="{976AEF00-21FE-4263-BCC3-A26583450488}" type="pres">
       <dgm:prSet presAssocID="{F8C7B540-6C38-4D9F-9839-541EDD8C62EE}" presName="root2" presStyleCnt="0"/>
@@ -5606,10 +5789,24 @@
     <dgm:pt modelId="{F052FB93-0776-4307-B3BF-706708315C06}" type="pres">
       <dgm:prSet presAssocID="{5816C0F0-32AF-41BB-980A-DAE4197A10C4}" presName="conn2-1" presStyleLbl="parChTrans1D3" presStyleIdx="0" presStyleCnt="4"/>
       <dgm:spPr/>
+      <dgm:t>
+        <a:bodyPr/>
+        <a:lstStyle/>
+        <a:p>
+          <a:endParaRPr lang="en-US"/>
+        </a:p>
+      </dgm:t>
     </dgm:pt>
     <dgm:pt modelId="{68D151A2-F173-4F69-90EA-D7CC44C10707}" type="pres">
       <dgm:prSet presAssocID="{5816C0F0-32AF-41BB-980A-DAE4197A10C4}" presName="connTx" presStyleLbl="parChTrans1D3" presStyleIdx="0" presStyleCnt="4"/>
       <dgm:spPr/>
+      <dgm:t>
+        <a:bodyPr/>
+        <a:lstStyle/>
+        <a:p>
+          <a:endParaRPr lang="en-US"/>
+        </a:p>
+      </dgm:t>
     </dgm:pt>
     <dgm:pt modelId="{9CADBCBE-253A-41E7-A0FC-792F032F7882}" type="pres">
       <dgm:prSet presAssocID="{27A7A64F-F273-444E-B89F-B0C5AD768260}" presName="root2" presStyleCnt="0"/>
@@ -5637,10 +5834,24 @@
     <dgm:pt modelId="{9BF88113-4D45-4538-8F3B-4EE1D16F81FE}" type="pres">
       <dgm:prSet presAssocID="{E943184C-C696-4063-98F6-C8B36C913A6A}" presName="conn2-1" presStyleLbl="parChTrans1D4" presStyleIdx="0" presStyleCnt="1"/>
       <dgm:spPr/>
+      <dgm:t>
+        <a:bodyPr/>
+        <a:lstStyle/>
+        <a:p>
+          <a:endParaRPr lang="en-US"/>
+        </a:p>
+      </dgm:t>
     </dgm:pt>
     <dgm:pt modelId="{44EA26C2-1549-40DB-90B6-EB9FE1693203}" type="pres">
       <dgm:prSet presAssocID="{E943184C-C696-4063-98F6-C8B36C913A6A}" presName="connTx" presStyleLbl="parChTrans1D4" presStyleIdx="0" presStyleCnt="1"/>
       <dgm:spPr/>
+      <dgm:t>
+        <a:bodyPr/>
+        <a:lstStyle/>
+        <a:p>
+          <a:endParaRPr lang="en-US"/>
+        </a:p>
+      </dgm:t>
     </dgm:pt>
     <dgm:pt modelId="{111EEE7C-37BC-42FF-860F-E5167BC77595}" type="pres">
       <dgm:prSet presAssocID="{86B2761F-30FE-49AE-A80A-C20FFDE46FA7}" presName="root2" presStyleCnt="0"/>
@@ -5668,10 +5879,24 @@
     <dgm:pt modelId="{DCEB5412-A3E9-49D6-BF0C-DD1524866675}" type="pres">
       <dgm:prSet presAssocID="{5B44C6B2-F372-436C-A9C4-6E69136E1238}" presName="conn2-1" presStyleLbl="parChTrans1D2" presStyleIdx="1" presStyleCnt="2"/>
       <dgm:spPr/>
+      <dgm:t>
+        <a:bodyPr/>
+        <a:lstStyle/>
+        <a:p>
+          <a:endParaRPr lang="en-US"/>
+        </a:p>
+      </dgm:t>
     </dgm:pt>
     <dgm:pt modelId="{6A5ACDA1-2C76-4490-AA4E-3C3277351BA5}" type="pres">
       <dgm:prSet presAssocID="{5B44C6B2-F372-436C-A9C4-6E69136E1238}" presName="connTx" presStyleLbl="parChTrans1D2" presStyleIdx="1" presStyleCnt="2"/>
       <dgm:spPr/>
+      <dgm:t>
+        <a:bodyPr/>
+        <a:lstStyle/>
+        <a:p>
+          <a:endParaRPr lang="en-US"/>
+        </a:p>
+      </dgm:t>
     </dgm:pt>
     <dgm:pt modelId="{19C686AA-4838-4C26-94B2-7DA57528057B}" type="pres">
       <dgm:prSet presAssocID="{7EB7A882-607B-4038-B2D7-214B478B311A}" presName="root2" presStyleCnt="0"/>
@@ -5684,6 +5909,13 @@
         </dgm:presLayoutVars>
       </dgm:prSet>
       <dgm:spPr/>
+      <dgm:t>
+        <a:bodyPr/>
+        <a:lstStyle/>
+        <a:p>
+          <a:endParaRPr lang="en-US"/>
+        </a:p>
+      </dgm:t>
     </dgm:pt>
     <dgm:pt modelId="{A9EE75E8-905B-4708-AF09-F660D3CE1429}" type="pres">
       <dgm:prSet presAssocID="{7EB7A882-607B-4038-B2D7-214B478B311A}" presName="level3hierChild" presStyleCnt="0"/>
@@ -5692,10 +5924,24 @@
     <dgm:pt modelId="{2382E259-EE02-4A69-83B3-60FC0ABF9425}" type="pres">
       <dgm:prSet presAssocID="{D1A8EFE0-AE29-4A61-A4A7-18AEA4BA4A7A}" presName="conn2-1" presStyleLbl="parChTrans1D3" presStyleIdx="1" presStyleCnt="4"/>
       <dgm:spPr/>
+      <dgm:t>
+        <a:bodyPr/>
+        <a:lstStyle/>
+        <a:p>
+          <a:endParaRPr lang="en-US"/>
+        </a:p>
+      </dgm:t>
     </dgm:pt>
     <dgm:pt modelId="{099B013C-C3F0-4961-8EB7-ABAF741F1DE6}" type="pres">
       <dgm:prSet presAssocID="{D1A8EFE0-AE29-4A61-A4A7-18AEA4BA4A7A}" presName="connTx" presStyleLbl="parChTrans1D3" presStyleIdx="1" presStyleCnt="4"/>
       <dgm:spPr/>
+      <dgm:t>
+        <a:bodyPr/>
+        <a:lstStyle/>
+        <a:p>
+          <a:endParaRPr lang="en-US"/>
+        </a:p>
+      </dgm:t>
     </dgm:pt>
     <dgm:pt modelId="{89D070B7-FA48-4687-8E7D-4D924BF98E9F}" type="pres">
       <dgm:prSet presAssocID="{FBA309F0-A55E-4843-A37F-DCDF824968F9}" presName="root2" presStyleCnt="0"/>
@@ -5723,10 +5969,24 @@
     <dgm:pt modelId="{C11F00DD-8D55-40F7-97B5-5567F0DDB0A6}" type="pres">
       <dgm:prSet presAssocID="{5125C8EC-0955-4F4B-80CD-1BB8D52BE1E4}" presName="conn2-1" presStyleLbl="parChTrans1D3" presStyleIdx="2" presStyleCnt="4"/>
       <dgm:spPr/>
+      <dgm:t>
+        <a:bodyPr/>
+        <a:lstStyle/>
+        <a:p>
+          <a:endParaRPr lang="en-US"/>
+        </a:p>
+      </dgm:t>
     </dgm:pt>
     <dgm:pt modelId="{55F3FA09-1138-449D-89C2-2D7B31234DF8}" type="pres">
       <dgm:prSet presAssocID="{5125C8EC-0955-4F4B-80CD-1BB8D52BE1E4}" presName="connTx" presStyleLbl="parChTrans1D3" presStyleIdx="2" presStyleCnt="4"/>
       <dgm:spPr/>
+      <dgm:t>
+        <a:bodyPr/>
+        <a:lstStyle/>
+        <a:p>
+          <a:endParaRPr lang="en-US"/>
+        </a:p>
+      </dgm:t>
     </dgm:pt>
     <dgm:pt modelId="{9B5E07F7-270B-415B-8B8B-042EDBA19B42}" type="pres">
       <dgm:prSet presAssocID="{665CD3E5-4926-401B-A921-C3C7F7C07729}" presName="root2" presStyleCnt="0"/>
@@ -5754,10 +6014,24 @@
     <dgm:pt modelId="{2519598B-797A-4129-B373-B396D5590C3A}" type="pres">
       <dgm:prSet presAssocID="{F4711930-6335-4085-8676-611B7DAA4D89}" presName="conn2-1" presStyleLbl="parChTrans1D3" presStyleIdx="3" presStyleCnt="4"/>
       <dgm:spPr/>
+      <dgm:t>
+        <a:bodyPr/>
+        <a:lstStyle/>
+        <a:p>
+          <a:endParaRPr lang="en-US"/>
+        </a:p>
+      </dgm:t>
     </dgm:pt>
     <dgm:pt modelId="{13BCD5A1-CCDA-4675-BAFA-61EB8B2D925F}" type="pres">
       <dgm:prSet presAssocID="{F4711930-6335-4085-8676-611B7DAA4D89}" presName="connTx" presStyleLbl="parChTrans1D3" presStyleIdx="3" presStyleCnt="4"/>
       <dgm:spPr/>
+      <dgm:t>
+        <a:bodyPr/>
+        <a:lstStyle/>
+        <a:p>
+          <a:endParaRPr lang="en-US"/>
+        </a:p>
+      </dgm:t>
     </dgm:pt>
     <dgm:pt modelId="{4926074A-AE1A-4531-B299-94FBB25D7EFC}" type="pres">
       <dgm:prSet presAssocID="{79347EE1-08B7-47DE-858C-48E305AF9DD8}" presName="root2" presStyleCnt="0"/>
@@ -5784,37 +6058,37 @@
     </dgm:pt>
   </dgm:ptLst>
   <dgm:cxnLst>
+    <dgm:cxn modelId="{8E0BBBB0-C983-47C0-B11B-C6AF4CE4043D}" type="presOf" srcId="{5B44C6B2-F372-436C-A9C4-6E69136E1238}" destId="{6A5ACDA1-2C76-4490-AA4E-3C3277351BA5}" srcOrd="1" destOrd="0" presId="urn:microsoft.com/office/officeart/2005/8/layout/hierarchy2"/>
+    <dgm:cxn modelId="{2B8004F5-4404-4F67-90FE-9F03ABC7BF7F}" srcId="{F8C7B540-6C38-4D9F-9839-541EDD8C62EE}" destId="{27A7A64F-F273-444E-B89F-B0C5AD768260}" srcOrd="0" destOrd="0" parTransId="{5816C0F0-32AF-41BB-980A-DAE4197A10C4}" sibTransId="{5DD536BF-7DCB-4881-9AB0-7F793C4AF1B7}"/>
+    <dgm:cxn modelId="{0721FF70-B7FA-49C7-8678-748DAEE6530B}" type="presOf" srcId="{5816C0F0-32AF-41BB-980A-DAE4197A10C4}" destId="{68D151A2-F173-4F69-90EA-D7CC44C10707}" srcOrd="1" destOrd="0" presId="urn:microsoft.com/office/officeart/2005/8/layout/hierarchy2"/>
+    <dgm:cxn modelId="{560F80DF-AC31-4276-8535-8A9B69F480C1}" type="presOf" srcId="{5816C0F0-32AF-41BB-980A-DAE4197A10C4}" destId="{F052FB93-0776-4307-B3BF-706708315C06}" srcOrd="0" destOrd="0" presId="urn:microsoft.com/office/officeart/2005/8/layout/hierarchy2"/>
+    <dgm:cxn modelId="{89B360A6-4DB3-4057-ABCF-28F7702E4094}" srcId="{7EB7A882-607B-4038-B2D7-214B478B311A}" destId="{665CD3E5-4926-401B-A921-C3C7F7C07729}" srcOrd="1" destOrd="0" parTransId="{5125C8EC-0955-4F4B-80CD-1BB8D52BE1E4}" sibTransId="{3E91D698-8429-4B65-85F3-E0FFD8A26828}"/>
+    <dgm:cxn modelId="{B4AF082B-F7B8-4E4E-B674-E2CBA892158B}" type="presOf" srcId="{F4711930-6335-4085-8676-611B7DAA4D89}" destId="{2519598B-797A-4129-B373-B396D5590C3A}" srcOrd="0" destOrd="0" presId="urn:microsoft.com/office/officeart/2005/8/layout/hierarchy2"/>
+    <dgm:cxn modelId="{B9905747-ABAC-41EB-9248-3445C2E43FC7}" type="presOf" srcId="{85C80EF5-3178-404F-A2D6-B5610889AC7B}" destId="{E4B7EE5F-E13E-44A0-B271-97F3D4143DA4}" srcOrd="0" destOrd="0" presId="urn:microsoft.com/office/officeart/2005/8/layout/hierarchy2"/>
+    <dgm:cxn modelId="{2D338297-E8D8-4658-8C12-197F5149A05C}" type="presOf" srcId="{27A7A64F-F273-444E-B89F-B0C5AD768260}" destId="{15DD647C-F838-45EC-8071-C030220A44E4}" srcOrd="0" destOrd="0" presId="urn:microsoft.com/office/officeart/2005/8/layout/hierarchy2"/>
+    <dgm:cxn modelId="{F0B9C5A0-9BBA-43CD-8825-CCDA9D376715}" type="presOf" srcId="{5B44C6B2-F372-436C-A9C4-6E69136E1238}" destId="{DCEB5412-A3E9-49D6-BF0C-DD1524866675}" srcOrd="0" destOrd="0" presId="urn:microsoft.com/office/officeart/2005/8/layout/hierarchy2"/>
+    <dgm:cxn modelId="{A9DA9EB2-B0CA-461F-9CF0-2201FB540628}" type="presOf" srcId="{7EB7A882-607B-4038-B2D7-214B478B311A}" destId="{6AA66725-2020-4E10-904D-15242D522C26}" srcOrd="0" destOrd="0" presId="urn:microsoft.com/office/officeart/2005/8/layout/hierarchy2"/>
+    <dgm:cxn modelId="{3CCDF529-785D-4D11-B214-9CB0A5428626}" type="presOf" srcId="{86B2761F-30FE-49AE-A80A-C20FFDE46FA7}" destId="{2DED4A44-0C2F-4C73-B119-F6C3D85E9BBB}" srcOrd="0" destOrd="0" presId="urn:microsoft.com/office/officeart/2005/8/layout/hierarchy2"/>
+    <dgm:cxn modelId="{E94ABA81-744A-4A31-A65A-65F19AB6D9FF}" srcId="{F2D1AE2B-54ED-4125-B17B-8B8689D32866}" destId="{7EB7A882-607B-4038-B2D7-214B478B311A}" srcOrd="1" destOrd="0" parTransId="{5B44C6B2-F372-436C-A9C4-6E69136E1238}" sibTransId="{C566A642-B6CC-4C5C-8C4E-AA0DB77816AD}"/>
+    <dgm:cxn modelId="{A29F9067-24C6-42AD-BEDF-0A312DB4BB8E}" srcId="{F2D1AE2B-54ED-4125-B17B-8B8689D32866}" destId="{F8C7B540-6C38-4D9F-9839-541EDD8C62EE}" srcOrd="0" destOrd="0" parTransId="{85C80EF5-3178-404F-A2D6-B5610889AC7B}" sibTransId="{FCB594C8-43C8-45D1-8745-9353E0C72C8D}"/>
+    <dgm:cxn modelId="{DB8FF900-4CE9-49B3-803D-E996B5EEF104}" type="presOf" srcId="{D1A8EFE0-AE29-4A61-A4A7-18AEA4BA4A7A}" destId="{099B013C-C3F0-4961-8EB7-ABAF741F1DE6}" srcOrd="1" destOrd="0" presId="urn:microsoft.com/office/officeart/2005/8/layout/hierarchy2"/>
+    <dgm:cxn modelId="{A7114FA6-57A5-49FA-A8B8-616A102B8A87}" srcId="{A2CD9CBE-6A4A-45A2-8F33-830112C82D2E}" destId="{F2D1AE2B-54ED-4125-B17B-8B8689D32866}" srcOrd="0" destOrd="0" parTransId="{1A3B1636-B9F9-4DFB-9100-4393FC9A3767}" sibTransId="{7A219C18-F57E-4A64-A9CE-1B52923C24CF}"/>
+    <dgm:cxn modelId="{7A36CBEC-913B-4718-A35B-E9342C6BDA3D}" type="presOf" srcId="{A2CD9CBE-6A4A-45A2-8F33-830112C82D2E}" destId="{B61D6919-5E7B-4F3B-B443-F96178F813CD}" srcOrd="0" destOrd="0" presId="urn:microsoft.com/office/officeart/2005/8/layout/hierarchy2"/>
     <dgm:cxn modelId="{A12B0E97-49DD-4C89-8DBE-06862D911260}" type="presOf" srcId="{F2D1AE2B-54ED-4125-B17B-8B8689D32866}" destId="{2BAB3710-7FCA-494D-9637-C0B8833170CD}" srcOrd="0" destOrd="0" presId="urn:microsoft.com/office/officeart/2005/8/layout/hierarchy2"/>
-    <dgm:cxn modelId="{0721FF70-B7FA-49C7-8678-748DAEE6530B}" type="presOf" srcId="{5816C0F0-32AF-41BB-980A-DAE4197A10C4}" destId="{68D151A2-F173-4F69-90EA-D7CC44C10707}" srcOrd="1" destOrd="0" presId="urn:microsoft.com/office/officeart/2005/8/layout/hierarchy2"/>
-    <dgm:cxn modelId="{A9DA9EB2-B0CA-461F-9CF0-2201FB540628}" type="presOf" srcId="{7EB7A882-607B-4038-B2D7-214B478B311A}" destId="{6AA66725-2020-4E10-904D-15242D522C26}" srcOrd="0" destOrd="0" presId="urn:microsoft.com/office/officeart/2005/8/layout/hierarchy2"/>
+    <dgm:cxn modelId="{3B2431AC-1A2B-49CE-A85D-EE6B7BDB4888}" type="presOf" srcId="{665CD3E5-4926-401B-A921-C3C7F7C07729}" destId="{59EA99F0-4BF8-4261-B8CC-CEE572092691}" srcOrd="0" destOrd="0" presId="urn:microsoft.com/office/officeart/2005/8/layout/hierarchy2"/>
+    <dgm:cxn modelId="{63710135-744C-4D4E-8E2F-7D39A197964B}" type="presOf" srcId="{E943184C-C696-4063-98F6-C8B36C913A6A}" destId="{44EA26C2-1549-40DB-90B6-EB9FE1693203}" srcOrd="1" destOrd="0" presId="urn:microsoft.com/office/officeart/2005/8/layout/hierarchy2"/>
+    <dgm:cxn modelId="{272C035C-F06F-40DD-B64F-8B3C270950BC}" type="presOf" srcId="{E943184C-C696-4063-98F6-C8B36C913A6A}" destId="{9BF88113-4D45-4538-8F3B-4EE1D16F81FE}" srcOrd="0" destOrd="0" presId="urn:microsoft.com/office/officeart/2005/8/layout/hierarchy2"/>
+    <dgm:cxn modelId="{88693401-9D27-4E4D-BED5-2E489062E627}" type="presOf" srcId="{5125C8EC-0955-4F4B-80CD-1BB8D52BE1E4}" destId="{55F3FA09-1138-449D-89C2-2D7B31234DF8}" srcOrd="1" destOrd="0" presId="urn:microsoft.com/office/officeart/2005/8/layout/hierarchy2"/>
+    <dgm:cxn modelId="{3A457152-B234-4C24-9D4C-BD7C92FE351B}" srcId="{7EB7A882-607B-4038-B2D7-214B478B311A}" destId="{FBA309F0-A55E-4843-A37F-DCDF824968F9}" srcOrd="0" destOrd="0" parTransId="{D1A8EFE0-AE29-4A61-A4A7-18AEA4BA4A7A}" sibTransId="{1AF2A42F-E59E-447B-A4F3-92F071FCBFFD}"/>
     <dgm:cxn modelId="{86AF6CAC-819E-4E0B-9178-3714F00A6C8E}" type="presOf" srcId="{5125C8EC-0955-4F4B-80CD-1BB8D52BE1E4}" destId="{C11F00DD-8D55-40F7-97B5-5567F0DDB0A6}" srcOrd="0" destOrd="0" presId="urn:microsoft.com/office/officeart/2005/8/layout/hierarchy2"/>
     <dgm:cxn modelId="{A1D1807C-0807-45AE-A150-5DCFF227FAFA}" type="presOf" srcId="{F8C7B540-6C38-4D9F-9839-541EDD8C62EE}" destId="{54236F11-028A-4A2D-9E84-C5FAA83D8304}" srcOrd="0" destOrd="0" presId="urn:microsoft.com/office/officeart/2005/8/layout/hierarchy2"/>
+    <dgm:cxn modelId="{88F35E5A-10AB-4A72-AC6C-84E3CC89459C}" type="presOf" srcId="{85C80EF5-3178-404F-A2D6-B5610889AC7B}" destId="{CA5D8B51-64F3-403E-82D2-132B94CED867}" srcOrd="1" destOrd="0" presId="urn:microsoft.com/office/officeart/2005/8/layout/hierarchy2"/>
     <dgm:cxn modelId="{B9268672-162E-4467-9648-35706701E263}" type="presOf" srcId="{FBA309F0-A55E-4843-A37F-DCDF824968F9}" destId="{A364A09D-1CEA-4E37-B116-C89A4A3C5DD6}" srcOrd="0" destOrd="0" presId="urn:microsoft.com/office/officeart/2005/8/layout/hierarchy2"/>
+    <dgm:cxn modelId="{DAD44E0D-EB2E-4E6F-A3BE-1A2658820E33}" srcId="{27A7A64F-F273-444E-B89F-B0C5AD768260}" destId="{86B2761F-30FE-49AE-A80A-C20FFDE46FA7}" srcOrd="0" destOrd="0" parTransId="{E943184C-C696-4063-98F6-C8B36C913A6A}" sibTransId="{50233F19-772A-46CF-9818-0DCACF789D0A}"/>
     <dgm:cxn modelId="{C0563CD0-C511-49EB-AE73-EF631D6786E3}" type="presOf" srcId="{F4711930-6335-4085-8676-611B7DAA4D89}" destId="{13BCD5A1-CCDA-4675-BAFA-61EB8B2D925F}" srcOrd="1" destOrd="0" presId="urn:microsoft.com/office/officeart/2005/8/layout/hierarchy2"/>
-    <dgm:cxn modelId="{DB8FF900-4CE9-49B3-803D-E996B5EEF104}" type="presOf" srcId="{D1A8EFE0-AE29-4A61-A4A7-18AEA4BA4A7A}" destId="{099B013C-C3F0-4961-8EB7-ABAF741F1DE6}" srcOrd="1" destOrd="0" presId="urn:microsoft.com/office/officeart/2005/8/layout/hierarchy2"/>
-    <dgm:cxn modelId="{7A36CBEC-913B-4718-A35B-E9342C6BDA3D}" type="presOf" srcId="{A2CD9CBE-6A4A-45A2-8F33-830112C82D2E}" destId="{B61D6919-5E7B-4F3B-B443-F96178F813CD}" srcOrd="0" destOrd="0" presId="urn:microsoft.com/office/officeart/2005/8/layout/hierarchy2"/>
-    <dgm:cxn modelId="{A29F9067-24C6-42AD-BEDF-0A312DB4BB8E}" srcId="{F2D1AE2B-54ED-4125-B17B-8B8689D32866}" destId="{F8C7B540-6C38-4D9F-9839-541EDD8C62EE}" srcOrd="0" destOrd="0" parTransId="{85C80EF5-3178-404F-A2D6-B5610889AC7B}" sibTransId="{FCB594C8-43C8-45D1-8745-9353E0C72C8D}"/>
-    <dgm:cxn modelId="{88693401-9D27-4E4D-BED5-2E489062E627}" type="presOf" srcId="{5125C8EC-0955-4F4B-80CD-1BB8D52BE1E4}" destId="{55F3FA09-1138-449D-89C2-2D7B31234DF8}" srcOrd="1" destOrd="0" presId="urn:microsoft.com/office/officeart/2005/8/layout/hierarchy2"/>
-    <dgm:cxn modelId="{DAD44E0D-EB2E-4E6F-A3BE-1A2658820E33}" srcId="{27A7A64F-F273-444E-B89F-B0C5AD768260}" destId="{86B2761F-30FE-49AE-A80A-C20FFDE46FA7}" srcOrd="0" destOrd="0" parTransId="{E943184C-C696-4063-98F6-C8B36C913A6A}" sibTransId="{50233F19-772A-46CF-9818-0DCACF789D0A}"/>
-    <dgm:cxn modelId="{F0B9C5A0-9BBA-43CD-8825-CCDA9D376715}" type="presOf" srcId="{5B44C6B2-F372-436C-A9C4-6E69136E1238}" destId="{DCEB5412-A3E9-49D6-BF0C-DD1524866675}" srcOrd="0" destOrd="0" presId="urn:microsoft.com/office/officeart/2005/8/layout/hierarchy2"/>
-    <dgm:cxn modelId="{272C035C-F06F-40DD-B64F-8B3C270950BC}" type="presOf" srcId="{E943184C-C696-4063-98F6-C8B36C913A6A}" destId="{9BF88113-4D45-4538-8F3B-4EE1D16F81FE}" srcOrd="0" destOrd="0" presId="urn:microsoft.com/office/officeart/2005/8/layout/hierarchy2"/>
-    <dgm:cxn modelId="{A7114FA6-57A5-49FA-A8B8-616A102B8A87}" srcId="{A2CD9CBE-6A4A-45A2-8F33-830112C82D2E}" destId="{F2D1AE2B-54ED-4125-B17B-8B8689D32866}" srcOrd="0" destOrd="0" parTransId="{1A3B1636-B9F9-4DFB-9100-4393FC9A3767}" sibTransId="{7A219C18-F57E-4A64-A9CE-1B52923C24CF}"/>
-    <dgm:cxn modelId="{3A457152-B234-4C24-9D4C-BD7C92FE351B}" srcId="{7EB7A882-607B-4038-B2D7-214B478B311A}" destId="{FBA309F0-A55E-4843-A37F-DCDF824968F9}" srcOrd="0" destOrd="0" parTransId="{D1A8EFE0-AE29-4A61-A4A7-18AEA4BA4A7A}" sibTransId="{1AF2A42F-E59E-447B-A4F3-92F071FCBFFD}"/>
-    <dgm:cxn modelId="{63710135-744C-4D4E-8E2F-7D39A197964B}" type="presOf" srcId="{E943184C-C696-4063-98F6-C8B36C913A6A}" destId="{44EA26C2-1549-40DB-90B6-EB9FE1693203}" srcOrd="1" destOrd="0" presId="urn:microsoft.com/office/officeart/2005/8/layout/hierarchy2"/>
-    <dgm:cxn modelId="{89B360A6-4DB3-4057-ABCF-28F7702E4094}" srcId="{7EB7A882-607B-4038-B2D7-214B478B311A}" destId="{665CD3E5-4926-401B-A921-C3C7F7C07729}" srcOrd="1" destOrd="0" parTransId="{5125C8EC-0955-4F4B-80CD-1BB8D52BE1E4}" sibTransId="{3E91D698-8429-4B65-85F3-E0FFD8A26828}"/>
-    <dgm:cxn modelId="{3B2431AC-1A2B-49CE-A85D-EE6B7BDB4888}" type="presOf" srcId="{665CD3E5-4926-401B-A921-C3C7F7C07729}" destId="{59EA99F0-4BF8-4261-B8CC-CEE572092691}" srcOrd="0" destOrd="0" presId="urn:microsoft.com/office/officeart/2005/8/layout/hierarchy2"/>
-    <dgm:cxn modelId="{B4AF082B-F7B8-4E4E-B674-E2CBA892158B}" type="presOf" srcId="{F4711930-6335-4085-8676-611B7DAA4D89}" destId="{2519598B-797A-4129-B373-B396D5590C3A}" srcOrd="0" destOrd="0" presId="urn:microsoft.com/office/officeart/2005/8/layout/hierarchy2"/>
+    <dgm:cxn modelId="{DDC221BA-4C45-4A49-8087-9681CC214185}" type="presOf" srcId="{79347EE1-08B7-47DE-858C-48E305AF9DD8}" destId="{3669D571-9FDC-4FD6-B09F-B865D92F0EB5}" srcOrd="0" destOrd="0" presId="urn:microsoft.com/office/officeart/2005/8/layout/hierarchy2"/>
+    <dgm:cxn modelId="{926892D5-9582-4E7E-BA7D-760F7BCAE5D0}" srcId="{7EB7A882-607B-4038-B2D7-214B478B311A}" destId="{79347EE1-08B7-47DE-858C-48E305AF9DD8}" srcOrd="2" destOrd="0" parTransId="{F4711930-6335-4085-8676-611B7DAA4D89}" sibTransId="{48870CD7-7BE6-4A9F-9578-D148DE6C12DB}"/>
     <dgm:cxn modelId="{0F8548A9-0249-4EAC-BFF2-D572C6C24377}" type="presOf" srcId="{D1A8EFE0-AE29-4A61-A4A7-18AEA4BA4A7A}" destId="{2382E259-EE02-4A69-83B3-60FC0ABF9425}" srcOrd="0" destOrd="0" presId="urn:microsoft.com/office/officeart/2005/8/layout/hierarchy2"/>
-    <dgm:cxn modelId="{2D338297-E8D8-4658-8C12-197F5149A05C}" type="presOf" srcId="{27A7A64F-F273-444E-B89F-B0C5AD768260}" destId="{15DD647C-F838-45EC-8071-C030220A44E4}" srcOrd="0" destOrd="0" presId="urn:microsoft.com/office/officeart/2005/8/layout/hierarchy2"/>
-    <dgm:cxn modelId="{2B8004F5-4404-4F67-90FE-9F03ABC7BF7F}" srcId="{F8C7B540-6C38-4D9F-9839-541EDD8C62EE}" destId="{27A7A64F-F273-444E-B89F-B0C5AD768260}" srcOrd="0" destOrd="0" parTransId="{5816C0F0-32AF-41BB-980A-DAE4197A10C4}" sibTransId="{5DD536BF-7DCB-4881-9AB0-7F793C4AF1B7}"/>
-    <dgm:cxn modelId="{88F35E5A-10AB-4A72-AC6C-84E3CC89459C}" type="presOf" srcId="{85C80EF5-3178-404F-A2D6-B5610889AC7B}" destId="{CA5D8B51-64F3-403E-82D2-132B94CED867}" srcOrd="1" destOrd="0" presId="urn:microsoft.com/office/officeart/2005/8/layout/hierarchy2"/>
-    <dgm:cxn modelId="{8E0BBBB0-C983-47C0-B11B-C6AF4CE4043D}" type="presOf" srcId="{5B44C6B2-F372-436C-A9C4-6E69136E1238}" destId="{6A5ACDA1-2C76-4490-AA4E-3C3277351BA5}" srcOrd="1" destOrd="0" presId="urn:microsoft.com/office/officeart/2005/8/layout/hierarchy2"/>
-    <dgm:cxn modelId="{DDC221BA-4C45-4A49-8087-9681CC214185}" type="presOf" srcId="{79347EE1-08B7-47DE-858C-48E305AF9DD8}" destId="{3669D571-9FDC-4FD6-B09F-B865D92F0EB5}" srcOrd="0" destOrd="0" presId="urn:microsoft.com/office/officeart/2005/8/layout/hierarchy2"/>
-    <dgm:cxn modelId="{3CCDF529-785D-4D11-B214-9CB0A5428626}" type="presOf" srcId="{86B2761F-30FE-49AE-A80A-C20FFDE46FA7}" destId="{2DED4A44-0C2F-4C73-B119-F6C3D85E9BBB}" srcOrd="0" destOrd="0" presId="urn:microsoft.com/office/officeart/2005/8/layout/hierarchy2"/>
-    <dgm:cxn modelId="{B9905747-ABAC-41EB-9248-3445C2E43FC7}" type="presOf" srcId="{85C80EF5-3178-404F-A2D6-B5610889AC7B}" destId="{E4B7EE5F-E13E-44A0-B271-97F3D4143DA4}" srcOrd="0" destOrd="0" presId="urn:microsoft.com/office/officeart/2005/8/layout/hierarchy2"/>
-    <dgm:cxn modelId="{926892D5-9582-4E7E-BA7D-760F7BCAE5D0}" srcId="{7EB7A882-607B-4038-B2D7-214B478B311A}" destId="{79347EE1-08B7-47DE-858C-48E305AF9DD8}" srcOrd="2" destOrd="0" parTransId="{F4711930-6335-4085-8676-611B7DAA4D89}" sibTransId="{48870CD7-7BE6-4A9F-9578-D148DE6C12DB}"/>
-    <dgm:cxn modelId="{560F80DF-AC31-4276-8535-8A9B69F480C1}" type="presOf" srcId="{5816C0F0-32AF-41BB-980A-DAE4197A10C4}" destId="{F052FB93-0776-4307-B3BF-706708315C06}" srcOrd="0" destOrd="0" presId="urn:microsoft.com/office/officeart/2005/8/layout/hierarchy2"/>
-    <dgm:cxn modelId="{E94ABA81-744A-4A31-A65A-65F19AB6D9FF}" srcId="{F2D1AE2B-54ED-4125-B17B-8B8689D32866}" destId="{7EB7A882-607B-4038-B2D7-214B478B311A}" srcOrd="1" destOrd="0" parTransId="{5B44C6B2-F372-436C-A9C4-6E69136E1238}" sibTransId="{C566A642-B6CC-4C5C-8C4E-AA0DB77816AD}"/>
     <dgm:cxn modelId="{16272052-FCB6-4EE5-88F0-616916E5B154}" type="presParOf" srcId="{B61D6919-5E7B-4F3B-B443-F96178F813CD}" destId="{3376AA97-AD42-4EE4-8BBC-1A838175728D}" srcOrd="0" destOrd="0" presId="urn:microsoft.com/office/officeart/2005/8/layout/hierarchy2"/>
     <dgm:cxn modelId="{987AD796-155F-43D0-A761-9E8796E4B3EC}" type="presParOf" srcId="{3376AA97-AD42-4EE4-8BBC-1A838175728D}" destId="{2BAB3710-7FCA-494D-9637-C0B8833170CD}" srcOrd="0" destOrd="0" presId="urn:microsoft.com/office/officeart/2005/8/layout/hierarchy2"/>
     <dgm:cxn modelId="{2B7ED55C-BACC-4594-805F-1188C4438981}" type="presParOf" srcId="{3376AA97-AD42-4EE4-8BBC-1A838175728D}" destId="{EF036044-FE89-4E1A-B6EE-35D2830E3B30}" srcOrd="1" destOrd="0" presId="urn:microsoft.com/office/officeart/2005/8/layout/hierarchy2"/>
@@ -5995,6 +6269,13 @@
     <dgm:pt modelId="{3BFEE854-6608-4DF0-8C7B-1DFEF853FB14}">
       <dgm:prSet phldrT="[Text]"/>
       <dgm:spPr/>
+      <dgm:t>
+        <a:bodyPr/>
+        <a:lstStyle/>
+        <a:p>
+          <a:endParaRPr lang="en-US"/>
+        </a:p>
+      </dgm:t>
     </dgm:pt>
     <dgm:pt modelId="{843C29DC-5288-4A37-AA37-D06BE7D27073}" type="parTrans" cxnId="{3BFBC9C6-A76B-44F8-9B1D-6B07D98BF9D5}">
       <dgm:prSet/>
@@ -6021,6 +6302,13 @@
     <dgm:pt modelId="{8DE2A53F-E875-4985-ACD1-DF294CF7C714}">
       <dgm:prSet phldrT="[Text]"/>
       <dgm:spPr/>
+      <dgm:t>
+        <a:bodyPr/>
+        <a:lstStyle/>
+        <a:p>
+          <a:endParaRPr lang="en-US"/>
+        </a:p>
+      </dgm:t>
     </dgm:pt>
     <dgm:pt modelId="{7EBFFBE3-EBC3-46F2-B7B1-B3EAA9A178BC}" type="parTrans" cxnId="{FE522234-6D2B-4568-BB2E-5F7768BEF581}">
       <dgm:prSet/>
@@ -6047,6 +6335,13 @@
     <dgm:pt modelId="{78DF7A0E-E14E-4995-8EF7-9ACA3C36F29D}">
       <dgm:prSet phldrT="[Text]"/>
       <dgm:spPr/>
+      <dgm:t>
+        <a:bodyPr/>
+        <a:lstStyle/>
+        <a:p>
+          <a:endParaRPr lang="en-US"/>
+        </a:p>
+      </dgm:t>
     </dgm:pt>
     <dgm:pt modelId="{76D66F7A-7B64-48B5-94E0-EFA025969E65}" type="parTrans" cxnId="{A51431CE-B0FE-4FE2-A37B-B597F02EB3EE}">
       <dgm:prSet/>
@@ -6079,6 +6374,13 @@
         </dgm:presLayoutVars>
       </dgm:prSet>
       <dgm:spPr/>
+      <dgm:t>
+        <a:bodyPr/>
+        <a:lstStyle/>
+        <a:p>
+          <a:endParaRPr lang="en-US"/>
+        </a:p>
+      </dgm:t>
     </dgm:pt>
     <dgm:pt modelId="{C419E99E-E4FB-446A-A292-2923A92A8455}" type="pres">
       <dgm:prSet presAssocID="{B6881413-9C58-4C68-B8FA-BE98B2D9F0D4}" presName="gear1" presStyleLbl="node1" presStyleIdx="0" presStyleCnt="3">
@@ -6099,10 +6401,24 @@
     <dgm:pt modelId="{EA1AFD2D-8E94-4680-A3FB-BC439E07C990}" type="pres">
       <dgm:prSet presAssocID="{B6881413-9C58-4C68-B8FA-BE98B2D9F0D4}" presName="gear1srcNode" presStyleLbl="node1" presStyleIdx="0" presStyleCnt="3"/>
       <dgm:spPr/>
+      <dgm:t>
+        <a:bodyPr/>
+        <a:lstStyle/>
+        <a:p>
+          <a:endParaRPr lang="en-US"/>
+        </a:p>
+      </dgm:t>
     </dgm:pt>
     <dgm:pt modelId="{2E1B8E30-3782-466E-BF36-C62894406B77}" type="pres">
       <dgm:prSet presAssocID="{B6881413-9C58-4C68-B8FA-BE98B2D9F0D4}" presName="gear1dstNode" presStyleLbl="node1" presStyleIdx="0" presStyleCnt="3"/>
       <dgm:spPr/>
+      <dgm:t>
+        <a:bodyPr/>
+        <a:lstStyle/>
+        <a:p>
+          <a:endParaRPr lang="en-US"/>
+        </a:p>
+      </dgm:t>
     </dgm:pt>
     <dgm:pt modelId="{D91ECA9B-3873-43F6-B695-BA66B6296E97}" type="pres">
       <dgm:prSet presAssocID="{5139FEA2-2D4A-4FA7-9072-B7D473966F9B}" presName="gear2" presStyleLbl="node1" presStyleIdx="1" presStyleCnt="3">
@@ -6112,14 +6428,35 @@
         </dgm:presLayoutVars>
       </dgm:prSet>
       <dgm:spPr/>
+      <dgm:t>
+        <a:bodyPr/>
+        <a:lstStyle/>
+        <a:p>
+          <a:endParaRPr lang="en-US"/>
+        </a:p>
+      </dgm:t>
     </dgm:pt>
     <dgm:pt modelId="{CF806FB4-AB07-4F4F-A6E3-E5C34D18DC57}" type="pres">
       <dgm:prSet presAssocID="{5139FEA2-2D4A-4FA7-9072-B7D473966F9B}" presName="gear2srcNode" presStyleLbl="node1" presStyleIdx="1" presStyleCnt="3"/>
       <dgm:spPr/>
+      <dgm:t>
+        <a:bodyPr/>
+        <a:lstStyle/>
+        <a:p>
+          <a:endParaRPr lang="en-US"/>
+        </a:p>
+      </dgm:t>
     </dgm:pt>
     <dgm:pt modelId="{FF67C47F-C065-4A1E-A950-1674AB631825}" type="pres">
       <dgm:prSet presAssocID="{5139FEA2-2D4A-4FA7-9072-B7D473966F9B}" presName="gear2dstNode" presStyleLbl="node1" presStyleIdx="1" presStyleCnt="3"/>
       <dgm:spPr/>
+      <dgm:t>
+        <a:bodyPr/>
+        <a:lstStyle/>
+        <a:p>
+          <a:endParaRPr lang="en-US"/>
+        </a:p>
+      </dgm:t>
     </dgm:pt>
     <dgm:pt modelId="{1C95EA5C-E8E6-45E1-B7D5-C23DA4E06BB5}" type="pres">
       <dgm:prSet presAssocID="{0B1AD984-2B2C-49BA-9C09-1508E90CB85D}" presName="gear3" presStyleLbl="node1" presStyleIdx="2" presStyleCnt="3"/>
@@ -6151,45 +6488,80 @@
     <dgm:pt modelId="{1960CC3B-C763-40F5-BA09-E32F4A3A1704}" type="pres">
       <dgm:prSet presAssocID="{0B1AD984-2B2C-49BA-9C09-1508E90CB85D}" presName="gear3srcNode" presStyleLbl="node1" presStyleIdx="2" presStyleCnt="3"/>
       <dgm:spPr/>
+      <dgm:t>
+        <a:bodyPr/>
+        <a:lstStyle/>
+        <a:p>
+          <a:endParaRPr lang="en-US"/>
+        </a:p>
+      </dgm:t>
     </dgm:pt>
     <dgm:pt modelId="{9F023196-CCAC-48BC-80FD-E566F8DACD8A}" type="pres">
       <dgm:prSet presAssocID="{0B1AD984-2B2C-49BA-9C09-1508E90CB85D}" presName="gear3dstNode" presStyleLbl="node1" presStyleIdx="2" presStyleCnt="3"/>
       <dgm:spPr/>
+      <dgm:t>
+        <a:bodyPr/>
+        <a:lstStyle/>
+        <a:p>
+          <a:endParaRPr lang="en-US"/>
+        </a:p>
+      </dgm:t>
     </dgm:pt>
     <dgm:pt modelId="{02729715-23C7-4F96-8151-4C506B31CD12}" type="pres">
       <dgm:prSet presAssocID="{1BB0FCB7-3D0D-4DEE-8CCC-1FA7543C4D8D}" presName="connector1" presStyleLbl="sibTrans2D1" presStyleIdx="0" presStyleCnt="3"/>
       <dgm:spPr/>
+      <dgm:t>
+        <a:bodyPr/>
+        <a:lstStyle/>
+        <a:p>
+          <a:endParaRPr lang="en-US"/>
+        </a:p>
+      </dgm:t>
     </dgm:pt>
     <dgm:pt modelId="{8638AC78-E294-41C4-8A3B-BD47E168F904}" type="pres">
       <dgm:prSet presAssocID="{740BC3D6-FDE5-4855-A13C-1A03CF04216F}" presName="connector2" presStyleLbl="sibTrans2D1" presStyleIdx="1" presStyleCnt="3"/>
       <dgm:spPr/>
+      <dgm:t>
+        <a:bodyPr/>
+        <a:lstStyle/>
+        <a:p>
+          <a:endParaRPr lang="en-US"/>
+        </a:p>
+      </dgm:t>
     </dgm:pt>
     <dgm:pt modelId="{A111B0A8-D436-4396-91C0-2A9E943C9D3E}" type="pres">
       <dgm:prSet presAssocID="{6F89AAF6-0938-4EC6-9803-0829E8B7DECF}" presName="connector3" presStyleLbl="sibTrans2D1" presStyleIdx="2" presStyleCnt="3"/>
       <dgm:spPr/>
+      <dgm:t>
+        <a:bodyPr/>
+        <a:lstStyle/>
+        <a:p>
+          <a:endParaRPr lang="en-US"/>
+        </a:p>
+      </dgm:t>
     </dgm:pt>
   </dgm:ptLst>
   <dgm:cxnLst>
+    <dgm:cxn modelId="{FE522234-6D2B-4568-BB2E-5F7768BEF581}" srcId="{5F27E676-6561-4238-A91A-3C8634189419}" destId="{8DE2A53F-E875-4985-ACD1-DF294CF7C714}" srcOrd="4" destOrd="0" parTransId="{7EBFFBE3-EBC3-46F2-B7B1-B3EAA9A178BC}" sibTransId="{01785883-D263-4E64-8D06-B09E75BF41A9}"/>
+    <dgm:cxn modelId="{9B7E00B2-11A6-46AF-B4B6-9738582D06DC}" type="presOf" srcId="{B6881413-9C58-4C68-B8FA-BE98B2D9F0D4}" destId="{C419E99E-E4FB-446A-A292-2923A92A8455}" srcOrd="0" destOrd="0" presId="urn:microsoft.com/office/officeart/2005/8/layout/gear1"/>
+    <dgm:cxn modelId="{E64CE367-D375-49CC-94F4-DECED9E835E6}" type="presOf" srcId="{B6881413-9C58-4C68-B8FA-BE98B2D9F0D4}" destId="{EA1AFD2D-8E94-4680-A3FB-BC439E07C990}" srcOrd="1" destOrd="0" presId="urn:microsoft.com/office/officeart/2005/8/layout/gear1"/>
+    <dgm:cxn modelId="{F2168D48-0833-4434-8450-F317A15721D1}" type="presOf" srcId="{5139FEA2-2D4A-4FA7-9072-B7D473966F9B}" destId="{CF806FB4-AB07-4F4F-A6E3-E5C34D18DC57}" srcOrd="1" destOrd="0" presId="urn:microsoft.com/office/officeart/2005/8/layout/gear1"/>
+    <dgm:cxn modelId="{F4F089C6-6DBE-42A6-9285-C0D3D70206DE}" type="presOf" srcId="{6F89AAF6-0938-4EC6-9803-0829E8B7DECF}" destId="{A111B0A8-D436-4396-91C0-2A9E943C9D3E}" srcOrd="0" destOrd="0" presId="urn:microsoft.com/office/officeart/2005/8/layout/gear1"/>
+    <dgm:cxn modelId="{D3019BEE-979E-4C0F-A975-433713A95CA1}" srcId="{5F27E676-6561-4238-A91A-3C8634189419}" destId="{5139FEA2-2D4A-4FA7-9072-B7D473966F9B}" srcOrd="1" destOrd="0" parTransId="{12FC15B2-319B-4051-9182-E5903F753FD7}" sibTransId="{740BC3D6-FDE5-4855-A13C-1A03CF04216F}"/>
+    <dgm:cxn modelId="{B8632D8F-FDD8-40E4-AF4A-CE10E9175616}" type="presOf" srcId="{B6881413-9C58-4C68-B8FA-BE98B2D9F0D4}" destId="{2E1B8E30-3782-466E-BF36-C62894406B77}" srcOrd="2" destOrd="0" presId="urn:microsoft.com/office/officeart/2005/8/layout/gear1"/>
+    <dgm:cxn modelId="{3569A988-A531-474A-A09D-48EA2C7171A1}" type="presOf" srcId="{0B1AD984-2B2C-49BA-9C09-1508E90CB85D}" destId="{1960CC3B-C763-40F5-BA09-E32F4A3A1704}" srcOrd="2" destOrd="0" presId="urn:microsoft.com/office/officeart/2005/8/layout/gear1"/>
+    <dgm:cxn modelId="{2BE1E6AC-1435-4416-9292-59FCFA20458A}" type="presOf" srcId="{0B1AD984-2B2C-49BA-9C09-1508E90CB85D}" destId="{279ADDB5-0C52-4AED-A274-265BE9104A96}" srcOrd="1" destOrd="0" presId="urn:microsoft.com/office/officeart/2005/8/layout/gear1"/>
     <dgm:cxn modelId="{CF3FDD89-C5A8-465C-A4C8-80414C2575A5}" type="presOf" srcId="{5139FEA2-2D4A-4FA7-9072-B7D473966F9B}" destId="{FF67C47F-C065-4A1E-A950-1674AB631825}" srcOrd="2" destOrd="0" presId="urn:microsoft.com/office/officeart/2005/8/layout/gear1"/>
-    <dgm:cxn modelId="{F4F089C6-6DBE-42A6-9285-C0D3D70206DE}" type="presOf" srcId="{6F89AAF6-0938-4EC6-9803-0829E8B7DECF}" destId="{A111B0A8-D436-4396-91C0-2A9E943C9D3E}" srcOrd="0" destOrd="0" presId="urn:microsoft.com/office/officeart/2005/8/layout/gear1"/>
+    <dgm:cxn modelId="{FD91D474-53BB-4D33-8E8E-07DC855143B6}" type="presOf" srcId="{5139FEA2-2D4A-4FA7-9072-B7D473966F9B}" destId="{D91ECA9B-3873-43F6-B695-BA66B6296E97}" srcOrd="0" destOrd="0" presId="urn:microsoft.com/office/officeart/2005/8/layout/gear1"/>
+    <dgm:cxn modelId="{CB1648EA-BBC5-494E-8B1B-BB6665DB56F4}" type="presOf" srcId="{1BB0FCB7-3D0D-4DEE-8CCC-1FA7543C4D8D}" destId="{02729715-23C7-4F96-8151-4C506B31CD12}" srcOrd="0" destOrd="0" presId="urn:microsoft.com/office/officeart/2005/8/layout/gear1"/>
+    <dgm:cxn modelId="{2EDE9CC5-1256-429B-A81F-D4D89341E491}" srcId="{5F27E676-6561-4238-A91A-3C8634189419}" destId="{B6881413-9C58-4C68-B8FA-BE98B2D9F0D4}" srcOrd="0" destOrd="0" parTransId="{C135F310-7B4E-4EB6-9195-BA725D4ED182}" sibTransId="{1BB0FCB7-3D0D-4DEE-8CCC-1FA7543C4D8D}"/>
+    <dgm:cxn modelId="{86E05CCE-0954-4F93-8ACF-7658368B7D17}" type="presOf" srcId="{0B1AD984-2B2C-49BA-9C09-1508E90CB85D}" destId="{9F023196-CCAC-48BC-80FD-E566F8DACD8A}" srcOrd="3" destOrd="0" presId="urn:microsoft.com/office/officeart/2005/8/layout/gear1"/>
+    <dgm:cxn modelId="{3BFBC9C6-A76B-44F8-9B1D-6B07D98BF9D5}" srcId="{5F27E676-6561-4238-A91A-3C8634189419}" destId="{3BFEE854-6608-4DF0-8C7B-1DFEF853FB14}" srcOrd="3" destOrd="0" parTransId="{843C29DC-5288-4A37-AA37-D06BE7D27073}" sibTransId="{A49E8220-45CE-4FC8-B6D2-EC11FB676AF4}"/>
+    <dgm:cxn modelId="{2F315956-ED5C-4FDF-88C2-CA5AC3981668}" type="presOf" srcId="{740BC3D6-FDE5-4855-A13C-1A03CF04216F}" destId="{8638AC78-E294-41C4-8A3B-BD47E168F904}" srcOrd="0" destOrd="0" presId="urn:microsoft.com/office/officeart/2005/8/layout/gear1"/>
+    <dgm:cxn modelId="{A51431CE-B0FE-4FE2-A37B-B597F02EB3EE}" srcId="{5F27E676-6561-4238-A91A-3C8634189419}" destId="{78DF7A0E-E14E-4995-8EF7-9ACA3C36F29D}" srcOrd="5" destOrd="0" parTransId="{76D66F7A-7B64-48B5-94E0-EFA025969E65}" sibTransId="{8700AD74-5406-46C1-B41A-98228A08E7A6}"/>
+    <dgm:cxn modelId="{262230A5-1218-4B80-8EDA-F456C4AE94FE}" type="presOf" srcId="{5F27E676-6561-4238-A91A-3C8634189419}" destId="{19486CF4-498D-4D9B-BE17-7EC61BD422DA}" srcOrd="0" destOrd="0" presId="urn:microsoft.com/office/officeart/2005/8/layout/gear1"/>
     <dgm:cxn modelId="{D5D53CBC-F1ED-450F-BB96-96546A5F806B}" type="presOf" srcId="{0B1AD984-2B2C-49BA-9C09-1508E90CB85D}" destId="{1C95EA5C-E8E6-45E1-B7D5-C23DA4E06BB5}" srcOrd="0" destOrd="0" presId="urn:microsoft.com/office/officeart/2005/8/layout/gear1"/>
     <dgm:cxn modelId="{B22C17AA-C5B3-4224-AD00-DF668F27C6C3}" srcId="{5F27E676-6561-4238-A91A-3C8634189419}" destId="{0B1AD984-2B2C-49BA-9C09-1508E90CB85D}" srcOrd="2" destOrd="0" parTransId="{4C897572-E865-4C14-9312-82B3FC33D0CF}" sibTransId="{6F89AAF6-0938-4EC6-9803-0829E8B7DECF}"/>
-    <dgm:cxn modelId="{262230A5-1218-4B80-8EDA-F456C4AE94FE}" type="presOf" srcId="{5F27E676-6561-4238-A91A-3C8634189419}" destId="{19486CF4-498D-4D9B-BE17-7EC61BD422DA}" srcOrd="0" destOrd="0" presId="urn:microsoft.com/office/officeart/2005/8/layout/gear1"/>
-    <dgm:cxn modelId="{3569A988-A531-474A-A09D-48EA2C7171A1}" type="presOf" srcId="{0B1AD984-2B2C-49BA-9C09-1508E90CB85D}" destId="{1960CC3B-C763-40F5-BA09-E32F4A3A1704}" srcOrd="2" destOrd="0" presId="urn:microsoft.com/office/officeart/2005/8/layout/gear1"/>
-    <dgm:cxn modelId="{F2168D48-0833-4434-8450-F317A15721D1}" type="presOf" srcId="{5139FEA2-2D4A-4FA7-9072-B7D473966F9B}" destId="{CF806FB4-AB07-4F4F-A6E3-E5C34D18DC57}" srcOrd="1" destOrd="0" presId="urn:microsoft.com/office/officeart/2005/8/layout/gear1"/>
-    <dgm:cxn modelId="{D3019BEE-979E-4C0F-A975-433713A95CA1}" srcId="{5F27E676-6561-4238-A91A-3C8634189419}" destId="{5139FEA2-2D4A-4FA7-9072-B7D473966F9B}" srcOrd="1" destOrd="0" parTransId="{12FC15B2-319B-4051-9182-E5903F753FD7}" sibTransId="{740BC3D6-FDE5-4855-A13C-1A03CF04216F}"/>
-    <dgm:cxn modelId="{86E05CCE-0954-4F93-8ACF-7658368B7D17}" type="presOf" srcId="{0B1AD984-2B2C-49BA-9C09-1508E90CB85D}" destId="{9F023196-CCAC-48BC-80FD-E566F8DACD8A}" srcOrd="3" destOrd="0" presId="urn:microsoft.com/office/officeart/2005/8/layout/gear1"/>
-    <dgm:cxn modelId="{B8632D8F-FDD8-40E4-AF4A-CE10E9175616}" type="presOf" srcId="{B6881413-9C58-4C68-B8FA-BE98B2D9F0D4}" destId="{2E1B8E30-3782-466E-BF36-C62894406B77}" srcOrd="2" destOrd="0" presId="urn:microsoft.com/office/officeart/2005/8/layout/gear1"/>
-    <dgm:cxn modelId="{2BE1E6AC-1435-4416-9292-59FCFA20458A}" type="presOf" srcId="{0B1AD984-2B2C-49BA-9C09-1508E90CB85D}" destId="{279ADDB5-0C52-4AED-A274-265BE9104A96}" srcOrd="1" destOrd="0" presId="urn:microsoft.com/office/officeart/2005/8/layout/gear1"/>
-    <dgm:cxn modelId="{A51431CE-B0FE-4FE2-A37B-B597F02EB3EE}" srcId="{5F27E676-6561-4238-A91A-3C8634189419}" destId="{78DF7A0E-E14E-4995-8EF7-9ACA3C36F29D}" srcOrd="5" destOrd="0" parTransId="{76D66F7A-7B64-48B5-94E0-EFA025969E65}" sibTransId="{8700AD74-5406-46C1-B41A-98228A08E7A6}"/>
-    <dgm:cxn modelId="{CB1648EA-BBC5-494E-8B1B-BB6665DB56F4}" type="presOf" srcId="{1BB0FCB7-3D0D-4DEE-8CCC-1FA7543C4D8D}" destId="{02729715-23C7-4F96-8151-4C506B31CD12}" srcOrd="0" destOrd="0" presId="urn:microsoft.com/office/officeart/2005/8/layout/gear1"/>
-    <dgm:cxn modelId="{3BFBC9C6-A76B-44F8-9B1D-6B07D98BF9D5}" srcId="{5F27E676-6561-4238-A91A-3C8634189419}" destId="{3BFEE854-6608-4DF0-8C7B-1DFEF853FB14}" srcOrd="3" destOrd="0" parTransId="{843C29DC-5288-4A37-AA37-D06BE7D27073}" sibTransId="{A49E8220-45CE-4FC8-B6D2-EC11FB676AF4}"/>
-    <dgm:cxn modelId="{2EDE9CC5-1256-429B-A81F-D4D89341E491}" srcId="{5F27E676-6561-4238-A91A-3C8634189419}" destId="{B6881413-9C58-4C68-B8FA-BE98B2D9F0D4}" srcOrd="0" destOrd="0" parTransId="{C135F310-7B4E-4EB6-9195-BA725D4ED182}" sibTransId="{1BB0FCB7-3D0D-4DEE-8CCC-1FA7543C4D8D}"/>
-    <dgm:cxn modelId="{FE522234-6D2B-4568-BB2E-5F7768BEF581}" srcId="{5F27E676-6561-4238-A91A-3C8634189419}" destId="{8DE2A53F-E875-4985-ACD1-DF294CF7C714}" srcOrd="4" destOrd="0" parTransId="{7EBFFBE3-EBC3-46F2-B7B1-B3EAA9A178BC}" sibTransId="{01785883-D263-4E64-8D06-B09E75BF41A9}"/>
-    <dgm:cxn modelId="{FD91D474-53BB-4D33-8E8E-07DC855143B6}" type="presOf" srcId="{5139FEA2-2D4A-4FA7-9072-B7D473966F9B}" destId="{D91ECA9B-3873-43F6-B695-BA66B6296E97}" srcOrd="0" destOrd="0" presId="urn:microsoft.com/office/officeart/2005/8/layout/gear1"/>
-    <dgm:cxn modelId="{2F315956-ED5C-4FDF-88C2-CA5AC3981668}" type="presOf" srcId="{740BC3D6-FDE5-4855-A13C-1A03CF04216F}" destId="{8638AC78-E294-41C4-8A3B-BD47E168F904}" srcOrd="0" destOrd="0" presId="urn:microsoft.com/office/officeart/2005/8/layout/gear1"/>
-    <dgm:cxn modelId="{9B7E00B2-11A6-46AF-B4B6-9738582D06DC}" type="presOf" srcId="{B6881413-9C58-4C68-B8FA-BE98B2D9F0D4}" destId="{C419E99E-E4FB-446A-A292-2923A92A8455}" srcOrd="0" destOrd="0" presId="urn:microsoft.com/office/officeart/2005/8/layout/gear1"/>
-    <dgm:cxn modelId="{E64CE367-D375-49CC-94F4-DECED9E835E6}" type="presOf" srcId="{B6881413-9C58-4C68-B8FA-BE98B2D9F0D4}" destId="{EA1AFD2D-8E94-4680-A3FB-BC439E07C990}" srcOrd="1" destOrd="0" presId="urn:microsoft.com/office/officeart/2005/8/layout/gear1"/>
     <dgm:cxn modelId="{B53C41A8-AEC0-46B2-BEA8-BFDE3D33F175}" type="presParOf" srcId="{19486CF4-498D-4D9B-BE17-7EC61BD422DA}" destId="{C419E99E-E4FB-446A-A292-2923A92A8455}" srcOrd="0" destOrd="0" presId="urn:microsoft.com/office/officeart/2005/8/layout/gear1"/>
     <dgm:cxn modelId="{61FB4D1B-855B-45BE-B703-7FC78D997091}" type="presParOf" srcId="{19486CF4-498D-4D9B-BE17-7EC61BD422DA}" destId="{EA1AFD2D-8E94-4680-A3FB-BC439E07C990}" srcOrd="1" destOrd="0" presId="urn:microsoft.com/office/officeart/2005/8/layout/gear1"/>
     <dgm:cxn modelId="{874291AE-1086-4276-9CC1-F42E9DA1A396}" type="presParOf" srcId="{19486CF4-498D-4D9B-BE17-7EC61BD422DA}" destId="{2E1B8E30-3782-466E-BF36-C62894406B77}" srcOrd="2" destOrd="0" presId="urn:microsoft.com/office/officeart/2005/8/layout/gear1"/>
@@ -17290,7 +17662,7 @@
           <a:p>
             <a:fld id="{4964ABCF-8652-40E3-8575-9E143BD0B20A}" type="datetimeFigureOut">
               <a:rPr lang="en-US" smtClean="0"/>
-              <a:t>7/27/2018</a:t>
+              <a:t>7/29/2018</a:t>
             </a:fld>
             <a:endParaRPr lang="en-US"/>
           </a:p>
@@ -17460,7 +17832,7 @@
           <a:p>
             <a:fld id="{4964ABCF-8652-40E3-8575-9E143BD0B20A}" type="datetimeFigureOut">
               <a:rPr lang="en-US" smtClean="0"/>
-              <a:t>7/27/2018</a:t>
+              <a:t>7/29/2018</a:t>
             </a:fld>
             <a:endParaRPr lang="en-US"/>
           </a:p>
@@ -17640,7 +18012,7 @@
           <a:p>
             <a:fld id="{4964ABCF-8652-40E3-8575-9E143BD0B20A}" type="datetimeFigureOut">
               <a:rPr lang="en-US" smtClean="0"/>
-              <a:t>7/27/2018</a:t>
+              <a:t>7/29/2018</a:t>
             </a:fld>
             <a:endParaRPr lang="en-US"/>
           </a:p>
@@ -17810,7 +18182,7 @@
           <a:p>
             <a:fld id="{4964ABCF-8652-40E3-8575-9E143BD0B20A}" type="datetimeFigureOut">
               <a:rPr lang="en-US" smtClean="0"/>
-              <a:t>7/27/2018</a:t>
+              <a:t>7/29/2018</a:t>
             </a:fld>
             <a:endParaRPr lang="en-US"/>
           </a:p>
@@ -18056,7 +18428,7 @@
           <a:p>
             <a:fld id="{4964ABCF-8652-40E3-8575-9E143BD0B20A}" type="datetimeFigureOut">
               <a:rPr lang="en-US" smtClean="0"/>
-              <a:t>7/27/2018</a:t>
+              <a:t>7/29/2018</a:t>
             </a:fld>
             <a:endParaRPr lang="en-US"/>
           </a:p>
@@ -18344,7 +18716,7 @@
           <a:p>
             <a:fld id="{4964ABCF-8652-40E3-8575-9E143BD0B20A}" type="datetimeFigureOut">
               <a:rPr lang="en-US" smtClean="0"/>
-              <a:t>7/27/2018</a:t>
+              <a:t>7/29/2018</a:t>
             </a:fld>
             <a:endParaRPr lang="en-US"/>
           </a:p>
@@ -18766,7 +19138,7 @@
           <a:p>
             <a:fld id="{4964ABCF-8652-40E3-8575-9E143BD0B20A}" type="datetimeFigureOut">
               <a:rPr lang="en-US" smtClean="0"/>
-              <a:t>7/27/2018</a:t>
+              <a:t>7/29/2018</a:t>
             </a:fld>
             <a:endParaRPr lang="en-US"/>
           </a:p>
@@ -18884,7 +19256,7 @@
           <a:p>
             <a:fld id="{4964ABCF-8652-40E3-8575-9E143BD0B20A}" type="datetimeFigureOut">
               <a:rPr lang="en-US" smtClean="0"/>
-              <a:t>7/27/2018</a:t>
+              <a:t>7/29/2018</a:t>
             </a:fld>
             <a:endParaRPr lang="en-US"/>
           </a:p>
@@ -18979,7 +19351,7 @@
           <a:p>
             <a:fld id="{4964ABCF-8652-40E3-8575-9E143BD0B20A}" type="datetimeFigureOut">
               <a:rPr lang="en-US" smtClean="0"/>
-              <a:t>7/27/2018</a:t>
+              <a:t>7/29/2018</a:t>
             </a:fld>
             <a:endParaRPr lang="en-US"/>
           </a:p>
@@ -19256,7 +19628,7 @@
           <a:p>
             <a:fld id="{4964ABCF-8652-40E3-8575-9E143BD0B20A}" type="datetimeFigureOut">
               <a:rPr lang="en-US" smtClean="0"/>
-              <a:t>7/27/2018</a:t>
+              <a:t>7/29/2018</a:t>
             </a:fld>
             <a:endParaRPr lang="en-US"/>
           </a:p>
@@ -19509,7 +19881,7 @@
           <a:p>
             <a:fld id="{4964ABCF-8652-40E3-8575-9E143BD0B20A}" type="datetimeFigureOut">
               <a:rPr lang="en-US" smtClean="0"/>
-              <a:t>7/27/2018</a:t>
+              <a:t>7/29/2018</a:t>
             </a:fld>
             <a:endParaRPr lang="en-US"/>
           </a:p>
@@ -19722,7 +20094,7 @@
           <a:p>
             <a:fld id="{4964ABCF-8652-40E3-8575-9E143BD0B20A}" type="datetimeFigureOut">
               <a:rPr lang="en-US" smtClean="0"/>
-              <a:t>7/27/2018</a:t>
+              <a:t>7/29/2018</a:t>
             </a:fld>
             <a:endParaRPr lang="en-US"/>
           </a:p>
@@ -20163,35 +20535,8 @@
                   </a:outerShdw>
                 </a:effectLst>
               </a:rPr>
-              <a:t>SELLING </a:t>
+              <a:t>SELLING AGRICULTURAL PRODUCTS</a:t>
             </a:r>
-            <a:r>
-              <a:rPr lang="en-US" sz="4400" b="1" dirty="0" smtClean="0">
-                <a:solidFill>
-                  <a:srgbClr val="04DE19"/>
-                </a:solidFill>
-                <a:effectLst>
-                  <a:outerShdw blurRad="38100" dist="38100" dir="2700000" algn="tl">
-                    <a:srgbClr val="000000">
-                      <a:alpha val="43137"/>
-                    </a:srgbClr>
-                  </a:outerShdw>
-                </a:effectLst>
-              </a:rPr>
-              <a:t>AGRICULTURAL PRODUCTS</a:t>
-            </a:r>
-            <a:endParaRPr lang="en-US" sz="4400" b="1" dirty="0" smtClean="0">
-              <a:solidFill>
-                <a:srgbClr val="04DE19"/>
-              </a:solidFill>
-              <a:effectLst>
-                <a:outerShdw blurRad="38100" dist="38100" dir="2700000" algn="tl">
-                  <a:srgbClr val="000000">
-                    <a:alpha val="43137"/>
-                  </a:srgbClr>
-                </a:outerShdw>
-              </a:effectLst>
-            </a:endParaRPr>
           </a:p>
         </p:txBody>
       </p:sp>
@@ -20247,52 +20592,7 @@
                   </a:outerShdw>
                 </a:effectLst>
               </a:rPr>
-              <a:t>Student: </a:t>
-            </a:r>
-            <a:r>
-              <a:rPr lang="en-US" b="1" dirty="0" smtClean="0">
-                <a:solidFill>
-                  <a:srgbClr val="04DE19"/>
-                </a:solidFill>
-                <a:effectLst>
-                  <a:outerShdw blurRad="38100" dist="38100" dir="2700000" algn="tl">
-                    <a:srgbClr val="000000">
-                      <a:alpha val="43137"/>
-                    </a:srgbClr>
-                  </a:outerShdw>
-                </a:effectLst>
-              </a:rPr>
-              <a:t>Nguyen </a:t>
-            </a:r>
-            <a:r>
-              <a:rPr lang="en-US" b="1" dirty="0" smtClean="0">
-                <a:solidFill>
-                  <a:srgbClr val="04DE19"/>
-                </a:solidFill>
-                <a:effectLst>
-                  <a:outerShdw blurRad="38100" dist="38100" dir="2700000" algn="tl">
-                    <a:srgbClr val="000000">
-                      <a:alpha val="43137"/>
-                    </a:srgbClr>
-                  </a:outerShdw>
-                </a:effectLst>
-              </a:rPr>
-              <a:t>Van </a:t>
-            </a:r>
-            <a:r>
-              <a:rPr lang="en-US" b="1" dirty="0" smtClean="0">
-                <a:solidFill>
-                  <a:srgbClr val="04DE19"/>
-                </a:solidFill>
-                <a:effectLst>
-                  <a:outerShdw blurRad="38100" dist="38100" dir="2700000" algn="tl">
-                    <a:srgbClr val="000000">
-                      <a:alpha val="43137"/>
-                    </a:srgbClr>
-                  </a:outerShdw>
-                </a:effectLst>
-              </a:rPr>
-              <a:t>Tan</a:t>
+              <a:t>Student: Nguyen Van Tan</a:t>
             </a:r>
           </a:p>
           <a:p>
@@ -20454,6 +20754,138 @@
                   </a:outerShdw>
                 </a:effectLst>
               </a:rPr>
+              <a:t>CAREER PATH</a:t>
+            </a:r>
+            <a:endParaRPr lang="en-US" dirty="0"/>
+          </a:p>
+        </p:txBody>
+      </p:sp>
+      <p:pic>
+        <p:nvPicPr>
+          <p:cNvPr id="6" name="Picture 5"/>
+          <p:cNvPicPr>
+            <a:picLocks noChangeAspect="1"/>
+          </p:cNvPicPr>
+          <p:nvPr/>
+        </p:nvPicPr>
+        <p:blipFill>
+          <a:blip r:embed="rId2">
+            <a:extLst>
+              <a:ext uri="{28A0092B-C50C-407E-A947-70E740481C1C}">
+                <a14:useLocalDpi xmlns:a14="http://schemas.microsoft.com/office/drawing/2010/main" val="0"/>
+              </a:ext>
+            </a:extLst>
+          </a:blip>
+          <a:stretch>
+            <a:fillRect/>
+          </a:stretch>
+        </p:blipFill>
+        <p:spPr>
+          <a:xfrm>
+            <a:off x="-500423" y="-41465"/>
+            <a:ext cx="9144000" cy="5916705"/>
+          </a:xfrm>
+          <a:prstGeom prst="rect">
+            <a:avLst/>
+          </a:prstGeom>
+        </p:spPr>
+      </p:pic>
+      <p:pic>
+        <p:nvPicPr>
+          <p:cNvPr id="10" name="Picture 9"/>
+          <p:cNvPicPr>
+            <a:picLocks noChangeAspect="1"/>
+          </p:cNvPicPr>
+          <p:nvPr/>
+        </p:nvPicPr>
+        <p:blipFill>
+          <a:blip r:embed="rId2">
+            <a:extLst>
+              <a:ext uri="{28A0092B-C50C-407E-A947-70E740481C1C}">
+                <a14:useLocalDpi xmlns:a14="http://schemas.microsoft.com/office/drawing/2010/main" val="0"/>
+              </a:ext>
+            </a:extLst>
+          </a:blip>
+          <a:stretch>
+            <a:fillRect/>
+          </a:stretch>
+        </p:blipFill>
+        <p:spPr>
+          <a:xfrm rot="3664152">
+            <a:off x="609882" y="111995"/>
+            <a:ext cx="9144000" cy="5916705"/>
+          </a:xfrm>
+          <a:prstGeom prst="rect">
+            <a:avLst/>
+          </a:prstGeom>
+        </p:spPr>
+      </p:pic>
+    </p:spTree>
+    <p:extLst>
+      <p:ext uri="{BB962C8B-B14F-4D97-AF65-F5344CB8AC3E}">
+        <p14:creationId xmlns:p14="http://schemas.microsoft.com/office/powerpoint/2010/main" val="857921299"/>
+      </p:ext>
+    </p:extLst>
+  </p:cSld>
+  <p:clrMapOvr>
+    <a:masterClrMapping/>
+  </p:clrMapOvr>
+  <p:timing>
+    <p:tnLst>
+      <p:par>
+        <p:cTn id="1" dur="indefinite" restart="never" nodeType="tmRoot"/>
+      </p:par>
+    </p:tnLst>
+  </p:timing>
+</p:sld>
+</file>
+
+<file path=ppt/slides/slide11.xml><?xml version="1.0" encoding="utf-8"?>
+<p:sld xmlns:a="http://schemas.openxmlformats.org/drawingml/2006/main" xmlns:r="http://schemas.openxmlformats.org/officeDocument/2006/relationships" xmlns:p="http://schemas.openxmlformats.org/presentationml/2006/main">
+  <p:cSld>
+    <p:spTree>
+      <p:nvGrpSpPr>
+        <p:cNvPr id="1" name=""/>
+        <p:cNvGrpSpPr/>
+        <p:nvPr/>
+      </p:nvGrpSpPr>
+      <p:grpSpPr>
+        <a:xfrm>
+          <a:off x="0" y="0"/>
+          <a:ext cx="0" cy="0"/>
+          <a:chOff x="0" y="0"/>
+          <a:chExt cx="0" cy="0"/>
+        </a:xfrm>
+      </p:grpSpPr>
+      <p:sp>
+        <p:nvSpPr>
+          <p:cNvPr id="2" name="Title 1"/>
+          <p:cNvSpPr>
+            <a:spLocks noGrp="1"/>
+          </p:cNvSpPr>
+          <p:nvPr>
+            <p:ph type="title"/>
+          </p:nvPr>
+        </p:nvSpPr>
+        <p:spPr/>
+        <p:txBody>
+          <a:bodyPr/>
+          <a:lstStyle/>
+          <a:p>
+            <a:pPr algn="l"/>
+            <a:r>
+              <a:rPr lang="en-US" b="1" dirty="0" smtClean="0">
+                <a:solidFill>
+                  <a:srgbClr val="04DE19"/>
+                </a:solidFill>
+                <a:effectLst>
+                  <a:outerShdw blurRad="38100" dist="38100" dir="2700000" algn="tl">
+                    <a:srgbClr val="000000">
+                      <a:alpha val="43137"/>
+                    </a:srgbClr>
+                  </a:outerShdw>
+                </a:effectLst>
+              </a:rPr>
               <a:t>QUESTION AND ANSWER</a:t>
             </a:r>
             <a:endParaRPr lang="en-US" dirty="0"/>
@@ -20563,7 +20995,7 @@
 </p:sld>
 </file>
 
-<file path=ppt/slides/slide11.xml><?xml version="1.0" encoding="utf-8"?>
+<file path=ppt/slides/slide12.xml><?xml version="1.0" encoding="utf-8"?>
 <p:sld xmlns:a="http://schemas.openxmlformats.org/drawingml/2006/main" xmlns:r="http://schemas.openxmlformats.org/officeDocument/2006/relationships" xmlns:p="http://schemas.openxmlformats.org/presentationml/2006/main">
   <p:cSld>
     <p:spTree>
